--- a/pptx/01_常微分方程式の時間微分（基礎）.pptx
+++ b/pptx/01_常微分方程式の時間微分（基礎）.pptx
@@ -5,27 +5,26 @@
     <p:sldMasterId id="2147483660" r:id="rId1"/>
   </p:sldMasterIdLst>
   <p:notesMasterIdLst>
-    <p:notesMasterId r:id="rId20"/>
+    <p:notesMasterId r:id="rId19"/>
   </p:notesMasterIdLst>
   <p:sldIdLst>
     <p:sldId id="256" r:id="rId2"/>
-    <p:sldId id="260" r:id="rId3"/>
-    <p:sldId id="257" r:id="rId4"/>
-    <p:sldId id="279" r:id="rId5"/>
-    <p:sldId id="258" r:id="rId6"/>
-    <p:sldId id="259" r:id="rId7"/>
-    <p:sldId id="280" r:id="rId8"/>
-    <p:sldId id="274" r:id="rId9"/>
-    <p:sldId id="265" r:id="rId10"/>
-    <p:sldId id="278" r:id="rId11"/>
-    <p:sldId id="277" r:id="rId12"/>
-    <p:sldId id="267" r:id="rId13"/>
-    <p:sldId id="281" r:id="rId14"/>
-    <p:sldId id="282" r:id="rId15"/>
-    <p:sldId id="283" r:id="rId16"/>
-    <p:sldId id="284" r:id="rId17"/>
-    <p:sldId id="285" r:id="rId18"/>
-    <p:sldId id="286" r:id="rId19"/>
+    <p:sldId id="257" r:id="rId3"/>
+    <p:sldId id="279" r:id="rId4"/>
+    <p:sldId id="258" r:id="rId5"/>
+    <p:sldId id="259" r:id="rId6"/>
+    <p:sldId id="280" r:id="rId7"/>
+    <p:sldId id="274" r:id="rId8"/>
+    <p:sldId id="265" r:id="rId9"/>
+    <p:sldId id="278" r:id="rId10"/>
+    <p:sldId id="277" r:id="rId11"/>
+    <p:sldId id="267" r:id="rId12"/>
+    <p:sldId id="281" r:id="rId13"/>
+    <p:sldId id="282" r:id="rId14"/>
+    <p:sldId id="283" r:id="rId15"/>
+    <p:sldId id="284" r:id="rId16"/>
+    <p:sldId id="285" r:id="rId17"/>
+    <p:sldId id="286" r:id="rId18"/>
   </p:sldIdLst>
   <p:sldSz cx="9144000" cy="6858000" type="screen4x3"/>
   <p:notesSz cx="6858000" cy="9144000"/>
@@ -132,14 +131,6 @@
 </p:presentation>
 </file>
 
-<file path=ppt/revisionInfo.xml><?xml version="1.0" encoding="utf-8"?>
-<p1510:revInfo xmlns:a="http://schemas.openxmlformats.org/drawingml/2006/main" xmlns:r="http://schemas.openxmlformats.org/officeDocument/2006/relationships" xmlns:p1510="http://schemas.microsoft.com/office/powerpoint/2015/10/main">
-  <p1510:revLst>
-    <p1510:client id="{A315C06B-09FF-4210-90F8-82A27AD901C0}" v="3" dt="2022-04-11T02:30:38.495"/>
-  </p1510:revLst>
-</p1510:revInfo>
-</file>
-
 <file path=ppt/changesInfos/changesInfo1.xml><?xml version="1.0" encoding="utf-8"?>
 <pc:chgInfo xmlns:a="http://schemas.openxmlformats.org/drawingml/2006/main" xmlns:r="http://schemas.openxmlformats.org/officeDocument/2006/relationships" xmlns:ac="http://schemas.microsoft.com/office/drawing/2013/main/command" xmlns:pc="http://schemas.microsoft.com/office/powerpoint/2013/main/command">
   <pc:docChgLst>
@@ -1898,6 +1889,22 @@
           </pc:spChg>
         </pc:sldLayoutChg>
       </pc:sldMasterChg>
+    </pc:docChg>
+  </pc:docChgLst>
+  <pc:docChgLst>
+    <pc:chgData name="hirose taichi" userId="ed2dc4b0-8795-4813-ada8-f41a239e7d7d" providerId="ADAL" clId="{5AED44F5-61B3-41D5-93A6-414D504FEFDD}"/>
+    <pc:docChg chg="delSld">
+      <pc:chgData name="hirose taichi" userId="ed2dc4b0-8795-4813-ada8-f41a239e7d7d" providerId="ADAL" clId="{5AED44F5-61B3-41D5-93A6-414D504FEFDD}" dt="2023-01-23T17:23:50.466" v="0" actId="47"/>
+      <pc:docMkLst>
+        <pc:docMk/>
+      </pc:docMkLst>
+      <pc:sldChg chg="del">
+        <pc:chgData name="hirose taichi" userId="ed2dc4b0-8795-4813-ada8-f41a239e7d7d" providerId="ADAL" clId="{5AED44F5-61B3-41D5-93A6-414D504FEFDD}" dt="2023-01-23T17:23:50.466" v="0" actId="47"/>
+        <pc:sldMkLst>
+          <pc:docMk/>
+          <pc:sldMk cId="2089577575" sldId="260"/>
+        </pc:sldMkLst>
+      </pc:sldChg>
     </pc:docChg>
   </pc:docChgLst>
 </pc:chgInfo>
@@ -1985,7 +1992,7 @@
           <a:p>
             <a:fld id="{1EAF9D5A-BD43-E149-B770-578B4710D69D}" type="datetimeFigureOut">
               <a:rPr kumimoji="1" lang="ja-JP" altLang="en-US" smtClean="0"/>
-              <a:t>2022/4/11</a:t>
+              <a:t>2023/1/24</a:t>
             </a:fld>
             <a:endParaRPr kumimoji="1" lang="ja-JP" altLang="en-US"/>
           </a:p>
@@ -2353,7 +2360,7 @@
           <a:p>
             <a:fld id="{9183110B-E7E2-4140-A5AE-544B28B6A7BF}" type="slidenum">
               <a:rPr kumimoji="1" lang="ja-JP" altLang="en-US" smtClean="0"/>
-              <a:t>9</a:t>
+              <a:t>8</a:t>
             </a:fld>
             <a:endParaRPr kumimoji="1" lang="ja-JP" altLang="en-US"/>
           </a:p>
@@ -2445,7 +2452,7 @@
           <a:p>
             <a:fld id="{9183110B-E7E2-4140-A5AE-544B28B6A7BF}" type="slidenum">
               <a:rPr kumimoji="1" lang="ja-JP" altLang="en-US" smtClean="0"/>
-              <a:t>10</a:t>
+              <a:t>9</a:t>
             </a:fld>
             <a:endParaRPr kumimoji="1" lang="ja-JP" altLang="en-US"/>
           </a:p>
@@ -2529,7 +2536,7 @@
           <a:p>
             <a:fld id="{9183110B-E7E2-4140-A5AE-544B28B6A7BF}" type="slidenum">
               <a:rPr kumimoji="1" lang="ja-JP" altLang="en-US" smtClean="0"/>
-              <a:t>14</a:t>
+              <a:t>13</a:t>
             </a:fld>
             <a:endParaRPr kumimoji="1" lang="ja-JP" altLang="en-US"/>
           </a:p>
@@ -2613,7 +2620,7 @@
           <a:p>
             <a:fld id="{9183110B-E7E2-4140-A5AE-544B28B6A7BF}" type="slidenum">
               <a:rPr kumimoji="1" lang="ja-JP" altLang="en-US" smtClean="0"/>
-              <a:t>15</a:t>
+              <a:t>14</a:t>
             </a:fld>
             <a:endParaRPr kumimoji="1" lang="ja-JP" altLang="en-US"/>
           </a:p>
@@ -2697,7 +2704,7 @@
           <a:p>
             <a:fld id="{9183110B-E7E2-4140-A5AE-544B28B6A7BF}" type="slidenum">
               <a:rPr kumimoji="1" lang="ja-JP" altLang="en-US" smtClean="0"/>
-              <a:t>16</a:t>
+              <a:t>15</a:t>
             </a:fld>
             <a:endParaRPr kumimoji="1" lang="ja-JP" altLang="en-US"/>
           </a:p>
@@ -2849,7 +2856,7 @@
           <a:p>
             <a:fld id="{6FEE2D80-3A16-904C-AB2D-C7C621A0281C}" type="datetime1">
               <a:rPr kumimoji="1" lang="ja-JP" altLang="en-US" smtClean="0"/>
-              <a:t>2022/4/11</a:t>
+              <a:t>2023/1/24</a:t>
             </a:fld>
             <a:endParaRPr kumimoji="1" lang="ja-JP" altLang="en-US"/>
           </a:p>
@@ -3059,7 +3066,7 @@
           <a:p>
             <a:fld id="{19D6041D-D979-9643-AF09-58744148E52C}" type="datetime1">
               <a:rPr kumimoji="1" lang="ja-JP" altLang="en-US" smtClean="0"/>
-              <a:t>2022/4/11</a:t>
+              <a:t>2023/1/24</a:t>
             </a:fld>
             <a:endParaRPr kumimoji="1" lang="ja-JP" altLang="en-US"/>
           </a:p>
@@ -3279,7 +3286,7 @@
           <a:p>
             <a:fld id="{4AF608ED-4416-6E43-9258-1AB56847E311}" type="datetime1">
               <a:rPr kumimoji="1" lang="ja-JP" altLang="en-US" smtClean="0"/>
-              <a:t>2022/4/11</a:t>
+              <a:t>2023/1/24</a:t>
             </a:fld>
             <a:endParaRPr kumimoji="1" lang="ja-JP" altLang="en-US"/>
           </a:p>
@@ -3526,7 +3533,7 @@
           <a:p>
             <a:fld id="{CEB39A0E-3F5B-7142-96D1-ED2B5B2E36A8}" type="datetime1">
               <a:rPr kumimoji="1" lang="ja-JP" altLang="en-US" smtClean="0"/>
-              <a:t>2022/4/11</a:t>
+              <a:t>2023/1/24</a:t>
             </a:fld>
             <a:endParaRPr kumimoji="1" lang="ja-JP" altLang="en-US"/>
           </a:p>
@@ -3778,7 +3785,7 @@
           <a:p>
             <a:fld id="{2ACA9809-8C9A-094F-AC62-1A44993BDD18}" type="datetime1">
               <a:rPr kumimoji="1" lang="ja-JP" altLang="en-US" smtClean="0"/>
-              <a:t>2022/4/11</a:t>
+              <a:t>2023/1/24</a:t>
             </a:fld>
             <a:endParaRPr kumimoji="1" lang="ja-JP" altLang="en-US"/>
           </a:p>
@@ -4082,7 +4089,7 @@
           <a:p>
             <a:fld id="{F074B92A-78D0-6F48-BDD5-B35129149EAB}" type="datetime1">
               <a:rPr kumimoji="1" lang="ja-JP" altLang="en-US" smtClean="0"/>
-              <a:t>2022/4/11</a:t>
+              <a:t>2023/1/24</a:t>
             </a:fld>
             <a:endParaRPr kumimoji="1" lang="ja-JP" altLang="en-US"/>
           </a:p>
@@ -4521,7 +4528,7 @@
           <a:p>
             <a:fld id="{67B03EC7-708C-3F4A-B944-6B0FC84BEB1A}" type="datetime1">
               <a:rPr kumimoji="1" lang="ja-JP" altLang="en-US" smtClean="0"/>
-              <a:t>2022/4/11</a:t>
+              <a:t>2023/1/24</a:t>
             </a:fld>
             <a:endParaRPr kumimoji="1" lang="ja-JP" altLang="en-US"/>
           </a:p>
@@ -4647,7 +4654,7 @@
           <a:p>
             <a:fld id="{B8853EB5-AF2C-FD44-A75E-8023A23D39D6}" type="datetime1">
               <a:rPr kumimoji="1" lang="ja-JP" altLang="en-US" smtClean="0"/>
-              <a:t>2022/4/11</a:t>
+              <a:t>2023/1/24</a:t>
             </a:fld>
             <a:endParaRPr kumimoji="1" lang="ja-JP" altLang="en-US"/>
           </a:p>
@@ -4750,7 +4757,7 @@
           <a:p>
             <a:fld id="{4B6E77D8-C989-F044-B053-CFF4B47ED35E}" type="datetime1">
               <a:rPr kumimoji="1" lang="ja-JP" altLang="en-US" smtClean="0"/>
-              <a:t>2022/4/11</a:t>
+              <a:t>2023/1/24</a:t>
             </a:fld>
             <a:endParaRPr kumimoji="1" lang="ja-JP" altLang="en-US"/>
           </a:p>
@@ -5067,7 +5074,7 @@
           <a:p>
             <a:fld id="{761D8044-44C2-2940-B359-818D79AC24B3}" type="datetime1">
               <a:rPr kumimoji="1" lang="ja-JP" altLang="en-US" smtClean="0"/>
-              <a:t>2022/4/11</a:t>
+              <a:t>2023/1/24</a:t>
             </a:fld>
             <a:endParaRPr kumimoji="1" lang="ja-JP" altLang="en-US"/>
           </a:p>
@@ -5332,7 +5339,7 @@
           <a:p>
             <a:fld id="{054E23F2-EA90-344C-BEB9-05C351EE9664}" type="datetime1">
               <a:rPr kumimoji="1" lang="ja-JP" altLang="en-US" smtClean="0"/>
-              <a:t>2022/4/11</a:t>
+              <a:t>2023/1/24</a:t>
             </a:fld>
             <a:endParaRPr kumimoji="1" lang="ja-JP" altLang="en-US"/>
           </a:p>
@@ -5585,7 +5592,7 @@
           <a:p>
             <a:fld id="{50805894-3B5A-5746-9B0D-0F63CF788994}" type="datetime1">
               <a:rPr kumimoji="1" lang="ja-JP" altLang="en-US" smtClean="0"/>
-              <a:t>2022/4/11</a:t>
+              <a:t>2023/1/24</a:t>
             </a:fld>
             <a:endParaRPr kumimoji="1" lang="ja-JP" altLang="en-US"/>
           </a:p>
@@ -6026,767 +6033,6 @@
 </file>
 
 <file path=ppt/slides/slide10.xml><?xml version="1.0" encoding="utf-8"?>
-<p:sld xmlns:a="http://schemas.openxmlformats.org/drawingml/2006/main" xmlns:r="http://schemas.openxmlformats.org/officeDocument/2006/relationships" xmlns:p="http://schemas.openxmlformats.org/presentationml/2006/main">
-  <p:cSld>
-    <p:spTree>
-      <p:nvGrpSpPr>
-        <p:cNvPr id="1" name=""/>
-        <p:cNvGrpSpPr/>
-        <p:nvPr/>
-      </p:nvGrpSpPr>
-      <p:grpSpPr>
-        <a:xfrm>
-          <a:off x="0" y="0"/>
-          <a:ext cx="0" cy="0"/>
-          <a:chOff x="0" y="0"/>
-          <a:chExt cx="0" cy="0"/>
-        </a:xfrm>
-      </p:grpSpPr>
-      <p:sp>
-        <p:nvSpPr>
-          <p:cNvPr id="2" name="タイトル 1">
-            <a:extLst>
-              <a:ext uri="{FF2B5EF4-FFF2-40B4-BE49-F238E27FC236}">
-                <a16:creationId xmlns:a16="http://schemas.microsoft.com/office/drawing/2014/main" id="{0D82747C-C035-A949-A4B8-A7A0E3FABA56}"/>
-              </a:ext>
-            </a:extLst>
-          </p:cNvPr>
-          <p:cNvSpPr>
-            <a:spLocks noGrp="1"/>
-          </p:cNvSpPr>
-          <p:nvPr>
-            <p:ph type="title"/>
-          </p:nvPr>
-        </p:nvSpPr>
-        <p:spPr/>
-        <p:txBody>
-          <a:bodyPr/>
-          <a:lstStyle/>
-          <a:p>
-            <a:r>
-              <a:rPr lang="en-US" altLang="ja-JP" dirty="0"/>
-              <a:t>2-1</a:t>
-            </a:r>
-            <a:r>
-              <a:rPr lang="ja-JP" altLang="en-US"/>
-              <a:t>．コンピューターができない計算</a:t>
-            </a:r>
-            <a:endParaRPr kumimoji="1" lang="ja-JP" altLang="en-US"/>
-          </a:p>
-        </p:txBody>
-      </p:sp>
-      <mc:AlternateContent xmlns:mc="http://schemas.openxmlformats.org/markup-compatibility/2006" xmlns:a14="http://schemas.microsoft.com/office/drawing/2010/main">
-        <mc:Choice Requires="a14">
-          <p:sp>
-            <p:nvSpPr>
-              <p:cNvPr id="3" name="コンテンツ プレースホルダー 2">
-                <a:extLst>
-                  <a:ext uri="{FF2B5EF4-FFF2-40B4-BE49-F238E27FC236}">
-                    <a16:creationId xmlns:a16="http://schemas.microsoft.com/office/drawing/2014/main" id="{F2A286D4-7352-7543-BD4C-47C6D07ECF5C}"/>
-                  </a:ext>
-                </a:extLst>
-              </p:cNvPr>
-              <p:cNvSpPr>
-                <a:spLocks noGrp="1"/>
-              </p:cNvSpPr>
-              <p:nvPr>
-                <p:ph idx="1"/>
-              </p:nvPr>
-            </p:nvSpPr>
-            <p:spPr/>
-            <p:txBody>
-              <a:bodyPr/>
-              <a:lstStyle/>
-              <a:p>
-                <a:pPr marL="0" indent="0">
-                  <a:buNone/>
-                </a:pPr>
-                <a:r>
-                  <a:rPr lang="ja-JP" altLang="en-US" sz="2400" b="1"/>
-                  <a:t>例：空気抵抗を考えた自由落下</a:t>
-                </a:r>
-                <a:endParaRPr lang="en-US" altLang="ja-JP" sz="2400" b="1" dirty="0"/>
-              </a:p>
-              <a:p>
-                <a:pPr marL="192881" lvl="1" indent="0">
-                  <a:lnSpc>
-                    <a:spcPct val="150000"/>
-                  </a:lnSpc>
-                  <a:buNone/>
-                </a:pPr>
-                <a:r>
-                  <a:rPr lang="en-US" altLang="ja-JP" sz="1950" dirty="0"/>
-                  <a:t> </a:t>
-                </a:r>
-                <a14:m>
-                  <m:oMath xmlns:m="http://schemas.openxmlformats.org/officeDocument/2006/math">
-                    <m:r>
-                      <a:rPr lang="en-US" altLang="ja-JP" sz="2200" i="1">
-                        <a:latin typeface="Cambria Math" panose="02040503050406030204" pitchFamily="18" charset="0"/>
-                      </a:rPr>
-                      <m:t>𝑚</m:t>
-                    </m:r>
-                    <m:f>
-                      <m:fPr>
-                        <m:ctrlPr>
-                          <a:rPr lang="en-US" altLang="ja-JP" sz="2200" i="1">
-                            <a:latin typeface="Cambria Math" panose="02040503050406030204" pitchFamily="18" charset="0"/>
-                          </a:rPr>
-                        </m:ctrlPr>
-                      </m:fPr>
-                      <m:num>
-                        <m:r>
-                          <a:rPr lang="en-US" altLang="ja-JP" sz="2200" i="1">
-                            <a:latin typeface="Cambria Math" panose="02040503050406030204" pitchFamily="18" charset="0"/>
-                          </a:rPr>
-                          <m:t>𝑑𝑣</m:t>
-                        </m:r>
-                        <m:r>
-                          <a:rPr lang="en-US" altLang="ja-JP" sz="2200" i="1">
-                            <a:latin typeface="Cambria Math" panose="02040503050406030204" pitchFamily="18" charset="0"/>
-                          </a:rPr>
-                          <m:t>(</m:t>
-                        </m:r>
-                        <m:r>
-                          <a:rPr lang="en-US" altLang="ja-JP" sz="2200" i="1">
-                            <a:latin typeface="Cambria Math" panose="02040503050406030204" pitchFamily="18" charset="0"/>
-                          </a:rPr>
-                          <m:t>𝑡</m:t>
-                        </m:r>
-                        <m:r>
-                          <a:rPr lang="en-US" altLang="ja-JP" sz="2200" i="1">
-                            <a:latin typeface="Cambria Math" panose="02040503050406030204" pitchFamily="18" charset="0"/>
-                          </a:rPr>
-                          <m:t>)</m:t>
-                        </m:r>
-                      </m:num>
-                      <m:den>
-                        <m:r>
-                          <a:rPr lang="en-US" altLang="ja-JP" sz="2200" i="1">
-                            <a:latin typeface="Cambria Math" panose="02040503050406030204" pitchFamily="18" charset="0"/>
-                          </a:rPr>
-                          <m:t>𝑑𝑡</m:t>
-                        </m:r>
-                      </m:den>
-                    </m:f>
-                    <m:r>
-                      <a:rPr lang="en-US" altLang="ja-JP" sz="2200" i="1">
-                        <a:latin typeface="Cambria Math" panose="02040503050406030204" pitchFamily="18" charset="0"/>
-                      </a:rPr>
-                      <m:t>=</m:t>
-                    </m:r>
-                    <m:r>
-                      <a:rPr lang="en-US" altLang="ja-JP" sz="2200" i="1">
-                        <a:latin typeface="Cambria Math" panose="02040503050406030204" pitchFamily="18" charset="0"/>
-                      </a:rPr>
-                      <m:t>𝑚𝑔</m:t>
-                    </m:r>
-                    <m:r>
-                      <a:rPr lang="en-US" altLang="ja-JP" sz="2200" i="1">
-                        <a:latin typeface="Cambria Math" panose="02040503050406030204" pitchFamily="18" charset="0"/>
-                      </a:rPr>
-                      <m:t>−</m:t>
-                    </m:r>
-                    <m:r>
-                      <a:rPr lang="en-US" altLang="ja-JP" sz="2200" i="1">
-                        <a:latin typeface="Cambria Math" panose="02040503050406030204" pitchFamily="18" charset="0"/>
-                      </a:rPr>
-                      <m:t>𝑘𝑣</m:t>
-                    </m:r>
-                    <m:r>
-                      <a:rPr lang="en-US" altLang="ja-JP" sz="2200" i="1">
-                        <a:latin typeface="Cambria Math" panose="02040503050406030204" pitchFamily="18" charset="0"/>
-                      </a:rPr>
-                      <m:t>(</m:t>
-                    </m:r>
-                    <m:r>
-                      <a:rPr lang="en-US" altLang="ja-JP" sz="2200" i="1">
-                        <a:latin typeface="Cambria Math" panose="02040503050406030204" pitchFamily="18" charset="0"/>
-                      </a:rPr>
-                      <m:t>𝑡</m:t>
-                    </m:r>
-                    <m:r>
-                      <a:rPr lang="en-US" altLang="ja-JP" sz="2200" i="1">
-                        <a:latin typeface="Cambria Math" panose="02040503050406030204" pitchFamily="18" charset="0"/>
-                      </a:rPr>
-                      <m:t>)</m:t>
-                    </m:r>
-                  </m:oMath>
-                </a14:m>
-                <a:r>
-                  <a:rPr lang="ja-JP" altLang="en-US" sz="2200" dirty="0"/>
-                  <a:t>　</a:t>
-                </a:r>
-                <a:r>
-                  <a:rPr lang="ja-JP" altLang="en-US" sz="2200"/>
-                  <a:t>の解を求めよ．</a:t>
-                </a:r>
-                <a:endParaRPr lang="en-US" altLang="ja-JP" sz="2200" dirty="0"/>
-              </a:p>
-              <a:p>
-                <a:pPr marL="192881" lvl="1" indent="0">
-                  <a:lnSpc>
-                    <a:spcPct val="150000"/>
-                  </a:lnSpc>
-                  <a:buNone/>
-                </a:pPr>
-                <a:r>
-                  <a:rPr lang="ja-JP" altLang="en-US" sz="2200"/>
-                  <a:t>ただし　</a:t>
-                </a:r>
-                <a14:m>
-                  <m:oMath xmlns:m="http://schemas.openxmlformats.org/officeDocument/2006/math">
-                    <m:r>
-                      <a:rPr lang="en-US" altLang="ja-JP" sz="2200" i="1">
-                        <a:latin typeface="Cambria Math" panose="02040503050406030204" pitchFamily="18" charset="0"/>
-                      </a:rPr>
-                      <m:t>𝑡</m:t>
-                    </m:r>
-                    <m:r>
-                      <a:rPr lang="en-US" altLang="ja-JP" sz="2200" i="1">
-                        <a:latin typeface="Cambria Math" panose="02040503050406030204" pitchFamily="18" charset="0"/>
-                      </a:rPr>
-                      <m:t>=0</m:t>
-                    </m:r>
-                  </m:oMath>
-                </a14:m>
-                <a:r>
-                  <a:rPr lang="en-US" altLang="ja-JP" sz="2200" dirty="0"/>
-                  <a:t>  </a:t>
-                </a:r>
-                <a:r>
-                  <a:rPr lang="ja-JP" altLang="en-US" sz="2200"/>
-                  <a:t>のとき</a:t>
-                </a:r>
-                <a:r>
-                  <a:rPr lang="en-US" altLang="ja-JP" sz="2200" dirty="0"/>
-                  <a:t> </a:t>
-                </a:r>
-                <a14:m>
-                  <m:oMath xmlns:m="http://schemas.openxmlformats.org/officeDocument/2006/math">
-                    <m:r>
-                      <a:rPr lang="en-US" altLang="ja-JP" sz="2200" i="1">
-                        <a:latin typeface="Cambria Math" panose="02040503050406030204" pitchFamily="18" charset="0"/>
-                      </a:rPr>
-                      <m:t>𝑣</m:t>
-                    </m:r>
-                    <m:r>
-                      <a:rPr lang="en-US" altLang="ja-JP" sz="2200" i="1">
-                        <a:latin typeface="Cambria Math" panose="02040503050406030204" pitchFamily="18" charset="0"/>
-                      </a:rPr>
-                      <m:t>=0</m:t>
-                    </m:r>
-                  </m:oMath>
-                </a14:m>
-                <a:r>
-                  <a:rPr lang="en-US" altLang="ja-JP" sz="2200" dirty="0"/>
-                  <a:t> </a:t>
-                </a:r>
-                <a:r>
-                  <a:rPr lang="ja-JP" altLang="en-US" sz="2200"/>
-                  <a:t>とする．</a:t>
-                </a:r>
-                <a:endParaRPr lang="en-US" altLang="ja-JP" sz="2200" dirty="0"/>
-              </a:p>
-              <a:p>
-                <a:pPr marL="0" indent="0">
-                  <a:buNone/>
-                </a:pPr>
-                <a:endParaRPr lang="en-US" altLang="ja-JP" dirty="0"/>
-              </a:p>
-            </p:txBody>
-          </p:sp>
-        </mc:Choice>
-        <mc:Fallback xmlns="">
-          <p:sp>
-            <p:nvSpPr>
-              <p:cNvPr id="3" name="コンテンツ プレースホルダー 2">
-                <a:extLst>
-                  <a:ext uri="{FF2B5EF4-FFF2-40B4-BE49-F238E27FC236}">
-                    <a16:creationId xmlns:a16="http://schemas.microsoft.com/office/drawing/2014/main" id="{F2A286D4-7352-7543-BD4C-47C6D07ECF5C}"/>
-                  </a:ext>
-                </a:extLst>
-              </p:cNvPr>
-              <p:cNvSpPr>
-                <a:spLocks noGrp="1" noRot="1" noChangeAspect="1" noMove="1" noResize="1" noEditPoints="1" noAdjustHandles="1" noChangeArrowheads="1" noChangeShapeType="1" noTextEdit="1"/>
-              </p:cNvSpPr>
-              <p:nvPr>
-                <p:ph idx="1"/>
-              </p:nvPr>
-            </p:nvSpPr>
-            <p:spPr>
-              <a:blipFill>
-                <a:blip r:embed="rId3"/>
-                <a:stretch>
-                  <a:fillRect l="-1286"/>
-                </a:stretch>
-              </a:blipFill>
-            </p:spPr>
-            <p:txBody>
-              <a:bodyPr/>
-              <a:lstStyle/>
-              <a:p>
-                <a:r>
-                  <a:rPr lang="ja-JP" altLang="en-US">
-                    <a:noFill/>
-                  </a:rPr>
-                  <a:t> </a:t>
-                </a:r>
-              </a:p>
-            </p:txBody>
-          </p:sp>
-        </mc:Fallback>
-      </mc:AlternateContent>
-      <p:grpSp>
-        <p:nvGrpSpPr>
-          <p:cNvPr id="4" name="グループ化 3">
-            <a:extLst>
-              <a:ext uri="{FF2B5EF4-FFF2-40B4-BE49-F238E27FC236}">
-                <a16:creationId xmlns:a16="http://schemas.microsoft.com/office/drawing/2014/main" id="{D881FF51-92AB-A446-8B7F-85B531E10B08}"/>
-              </a:ext>
-            </a:extLst>
-          </p:cNvPr>
-          <p:cNvGrpSpPr/>
-          <p:nvPr/>
-        </p:nvGrpSpPr>
-        <p:grpSpPr>
-          <a:xfrm>
-            <a:off x="805308" y="4001294"/>
-            <a:ext cx="3351825" cy="1417795"/>
-            <a:chOff x="2855640" y="4077072"/>
-            <a:chExt cx="5685097" cy="1512168"/>
-          </a:xfrm>
-        </p:grpSpPr>
-        <mc:AlternateContent xmlns:mc="http://schemas.openxmlformats.org/markup-compatibility/2006" xmlns:a14="http://schemas.microsoft.com/office/drawing/2010/main">
-          <mc:Choice Requires="a14">
-            <p:sp>
-              <p:nvSpPr>
-                <p:cNvPr id="5" name="正方形/長方形 4">
-                  <a:extLst>
-                    <a:ext uri="{FF2B5EF4-FFF2-40B4-BE49-F238E27FC236}">
-                      <a16:creationId xmlns:a16="http://schemas.microsoft.com/office/drawing/2014/main" id="{9415E301-E2CD-144B-9AA9-7D5DDB2C493F}"/>
-                    </a:ext>
-                  </a:extLst>
-                </p:cNvPr>
-                <p:cNvSpPr/>
-                <p:nvPr/>
-              </p:nvSpPr>
-              <p:spPr bwMode="auto">
-                <a:xfrm>
-                  <a:off x="3143671" y="4365104"/>
-                  <a:ext cx="5397066" cy="1224136"/>
-                </a:xfrm>
-                <a:prstGeom prst="rect">
-                  <a:avLst/>
-                </a:prstGeom>
-                <a:noFill/>
-                <a:ln w="9525" cap="flat" cmpd="sng" algn="ctr">
-                  <a:solidFill>
-                    <a:schemeClr val="tx1"/>
-                  </a:solidFill>
-                  <a:prstDash val="solid"/>
-                  <a:round/>
-                  <a:headEnd type="none" w="med" len="med"/>
-                  <a:tailEnd type="none" w="med" len="med"/>
-                </a:ln>
-                <a:effectLst/>
-              </p:spPr>
-              <p:txBody>
-                <a:bodyPr vert="horz" wrap="square" lIns="68580" tIns="34290" rIns="68580" bIns="34290" numCol="1" rtlCol="0" anchor="ctr" anchorCtr="0" compatLnSpc="1">
-                  <a:prstTxWarp prst="textNoShape">
-                    <a:avLst/>
-                  </a:prstTxWarp>
-                </a:bodyPr>
-                <a:lstStyle/>
-                <a:p>
-                  <a:pPr algn="just"/>
-                  <a14:m>
-                    <m:oMathPara xmlns:m="http://schemas.openxmlformats.org/officeDocument/2006/math">
-                      <m:oMathParaPr>
-                        <m:jc m:val="center"/>
-                      </m:oMathParaPr>
-                      <m:oMath xmlns:m="http://schemas.openxmlformats.org/officeDocument/2006/math">
-                        <m:r>
-                          <a:rPr lang="en-US" altLang="ja-JP" sz="1950" i="1">
-                            <a:latin typeface="Cambria Math" panose="02040503050406030204" pitchFamily="18" charset="0"/>
-                          </a:rPr>
-                          <m:t>𝑣</m:t>
-                        </m:r>
-                        <m:r>
-                          <a:rPr lang="en-US" altLang="ja-JP" sz="1950" i="1">
-                            <a:latin typeface="Cambria Math" panose="02040503050406030204" pitchFamily="18" charset="0"/>
-                          </a:rPr>
-                          <m:t>(</m:t>
-                        </m:r>
-                        <m:r>
-                          <a:rPr lang="en-US" altLang="ja-JP" sz="1950" i="1">
-                            <a:latin typeface="Cambria Math" panose="02040503050406030204" pitchFamily="18" charset="0"/>
-                          </a:rPr>
-                          <m:t>𝑡</m:t>
-                        </m:r>
-                        <m:r>
-                          <a:rPr lang="en-US" altLang="ja-JP" sz="1950" i="1">
-                            <a:latin typeface="Cambria Math" panose="02040503050406030204" pitchFamily="18" charset="0"/>
-                          </a:rPr>
-                          <m:t>)=</m:t>
-                        </m:r>
-                        <m:f>
-                          <m:fPr>
-                            <m:ctrlPr>
-                              <a:rPr lang="en-US" altLang="ja-JP" sz="1950" i="1">
-                                <a:latin typeface="Cambria Math" panose="02040503050406030204" pitchFamily="18" charset="0"/>
-                              </a:rPr>
-                            </m:ctrlPr>
-                          </m:fPr>
-                          <m:num>
-                            <m:r>
-                              <a:rPr lang="en-US" altLang="ja-JP" sz="1950" i="1">
-                                <a:latin typeface="Cambria Math" panose="02040503050406030204" pitchFamily="18" charset="0"/>
-                              </a:rPr>
-                              <m:t>𝑚𝑔</m:t>
-                            </m:r>
-                          </m:num>
-                          <m:den>
-                            <m:r>
-                              <a:rPr lang="en-US" altLang="ja-JP" sz="1950" i="1">
-                                <a:latin typeface="Cambria Math" panose="02040503050406030204" pitchFamily="18" charset="0"/>
-                              </a:rPr>
-                              <m:t>𝑘</m:t>
-                            </m:r>
-                          </m:den>
-                        </m:f>
-                        <m:d>
-                          <m:dPr>
-                            <m:ctrlPr>
-                              <a:rPr lang="en-US" altLang="ja-JP" sz="1950" i="1">
-                                <a:latin typeface="Cambria Math" panose="02040503050406030204" pitchFamily="18" charset="0"/>
-                              </a:rPr>
-                            </m:ctrlPr>
-                          </m:dPr>
-                          <m:e>
-                            <m:r>
-                              <a:rPr lang="en-US" altLang="ja-JP" sz="1950" i="1">
-                                <a:latin typeface="Cambria Math" panose="02040503050406030204" pitchFamily="18" charset="0"/>
-                              </a:rPr>
-                              <m:t>1−</m:t>
-                            </m:r>
-                            <m:sSup>
-                              <m:sSupPr>
-                                <m:ctrlPr>
-                                  <a:rPr lang="en-US" altLang="ja-JP" sz="1950" i="1">
-                                    <a:latin typeface="Cambria Math" panose="02040503050406030204" pitchFamily="18" charset="0"/>
-                                  </a:rPr>
-                                </m:ctrlPr>
-                              </m:sSupPr>
-                              <m:e>
-                                <m:r>
-                                  <m:rPr>
-                                    <m:sty m:val="p"/>
-                                  </m:rPr>
-                                  <a:rPr lang="en-US" altLang="ja-JP" sz="1950">
-                                    <a:latin typeface="Cambria Math" panose="02040503050406030204" pitchFamily="18" charset="0"/>
-                                  </a:rPr>
-                                  <m:t>e</m:t>
-                                </m:r>
-                              </m:e>
-                              <m:sup>
-                                <m:r>
-                                  <a:rPr lang="en-US" altLang="ja-JP" sz="1950" i="1">
-                                    <a:latin typeface="Cambria Math" panose="02040503050406030204" pitchFamily="18" charset="0"/>
-                                  </a:rPr>
-                                  <m:t>−</m:t>
-                                </m:r>
-                                <m:f>
-                                  <m:fPr>
-                                    <m:ctrlPr>
-                                      <a:rPr lang="en-US" altLang="ja-JP" sz="1950" i="1">
-                                        <a:latin typeface="Cambria Math" panose="02040503050406030204" pitchFamily="18" charset="0"/>
-                                      </a:rPr>
-                                    </m:ctrlPr>
-                                  </m:fPr>
-                                  <m:num>
-                                    <m:r>
-                                      <a:rPr lang="en-US" altLang="ja-JP" sz="1950" i="1">
-                                        <a:latin typeface="Cambria Math" panose="02040503050406030204" pitchFamily="18" charset="0"/>
-                                      </a:rPr>
-                                      <m:t>𝑘</m:t>
-                                    </m:r>
-                                  </m:num>
-                                  <m:den>
-                                    <m:r>
-                                      <a:rPr lang="en-US" altLang="ja-JP" sz="1950" i="1">
-                                        <a:latin typeface="Cambria Math" panose="02040503050406030204" pitchFamily="18" charset="0"/>
-                                      </a:rPr>
-                                      <m:t>𝑚</m:t>
-                                    </m:r>
-                                  </m:den>
-                                </m:f>
-                                <m:r>
-                                  <a:rPr lang="en-US" altLang="ja-JP" sz="1950" i="1">
-                                    <a:latin typeface="Cambria Math" panose="02040503050406030204" pitchFamily="18" charset="0"/>
-                                  </a:rPr>
-                                  <m:t>𝑡</m:t>
-                                </m:r>
-                              </m:sup>
-                            </m:sSup>
-                          </m:e>
-                        </m:d>
-                      </m:oMath>
-                    </m:oMathPara>
-                  </a14:m>
-                  <a:endParaRPr lang="ja-JP" altLang="en-US" sz="1950">
-                    <a:latin typeface="Meiryo UI" panose="020B0604030504040204" pitchFamily="34" charset="-128"/>
-                    <a:ea typeface="Meiryo UI" panose="020B0604030504040204" pitchFamily="34" charset="-128"/>
-                    <a:cs typeface="ＭＳ Ｐゴシック" pitchFamily="-1" charset="-128"/>
-                  </a:endParaRPr>
-                </a:p>
-              </p:txBody>
-            </p:sp>
-          </mc:Choice>
-          <mc:Fallback xmlns="">
-            <p:sp>
-              <p:nvSpPr>
-                <p:cNvPr id="5" name="正方形/長方形 4">
-                  <a:extLst>
-                    <a:ext uri="{FF2B5EF4-FFF2-40B4-BE49-F238E27FC236}">
-                      <a16:creationId xmlns:a16="http://schemas.microsoft.com/office/drawing/2014/main" id="{9415E301-E2CD-144B-9AA9-7D5DDB2C493F}"/>
-                    </a:ext>
-                  </a:extLst>
-                </p:cNvPr>
-                <p:cNvSpPr>
-                  <a:spLocks noRot="1" noChangeAspect="1" noMove="1" noResize="1" noEditPoints="1" noAdjustHandles="1" noChangeArrowheads="1" noChangeShapeType="1" noTextEdit="1"/>
-                </p:cNvSpPr>
-                <p:nvPr/>
-              </p:nvSpPr>
-              <p:spPr bwMode="auto">
-                <a:xfrm>
-                  <a:off x="3143671" y="4365104"/>
-                  <a:ext cx="5397066" cy="1224136"/>
-                </a:xfrm>
-                <a:prstGeom prst="rect">
-                  <a:avLst/>
-                </a:prstGeom>
-                <a:blipFill>
-                  <a:blip r:embed="rId4"/>
-                  <a:stretch>
-                    <a:fillRect/>
-                  </a:stretch>
-                </a:blipFill>
-                <a:ln w="9525" cap="flat" cmpd="sng" algn="ctr">
-                  <a:solidFill>
-                    <a:schemeClr val="tx1"/>
-                  </a:solidFill>
-                  <a:prstDash val="solid"/>
-                  <a:round/>
-                  <a:headEnd type="none" w="med" len="med"/>
-                  <a:tailEnd type="none" w="med" len="med"/>
-                </a:ln>
-                <a:effectLst/>
-              </p:spPr>
-              <p:txBody>
-                <a:bodyPr/>
-                <a:lstStyle/>
-                <a:p>
-                  <a:r>
-                    <a:rPr lang="ja-JP" altLang="en-US">
-                      <a:noFill/>
-                    </a:rPr>
-                    <a:t> </a:t>
-                  </a:r>
-                </a:p>
-              </p:txBody>
-            </p:sp>
-          </mc:Fallback>
-        </mc:AlternateContent>
-        <p:sp>
-          <p:nvSpPr>
-            <p:cNvPr id="6" name="円/楕円 5">
-              <a:extLst>
-                <a:ext uri="{FF2B5EF4-FFF2-40B4-BE49-F238E27FC236}">
-                  <a16:creationId xmlns:a16="http://schemas.microsoft.com/office/drawing/2014/main" id="{12F94AA4-5B6A-7C40-89B6-4F37B589EA22}"/>
-                </a:ext>
-              </a:extLst>
-            </p:cNvPr>
-            <p:cNvSpPr/>
-            <p:nvPr/>
-          </p:nvSpPr>
-          <p:spPr bwMode="auto">
-            <a:xfrm>
-              <a:off x="2855640" y="4077072"/>
-              <a:ext cx="1224136" cy="864096"/>
-            </a:xfrm>
-            <a:prstGeom prst="ellipse">
-              <a:avLst/>
-            </a:prstGeom>
-            <a:solidFill>
-              <a:srgbClr val="5B9CD5"/>
-            </a:solidFill>
-            <a:ln w="9525" cap="flat" cmpd="sng" algn="ctr">
-              <a:solidFill>
-                <a:schemeClr val="tx1"/>
-              </a:solidFill>
-              <a:prstDash val="solid"/>
-              <a:round/>
-              <a:headEnd type="none" w="med" len="med"/>
-              <a:tailEnd type="none" w="med" len="med"/>
-            </a:ln>
-            <a:effectLst/>
-          </p:spPr>
-          <p:txBody>
-            <a:bodyPr vert="horz" wrap="square" lIns="68580" tIns="34290" rIns="68580" bIns="34290" numCol="1" rtlCol="0" anchor="ctr" anchorCtr="0" compatLnSpc="1">
-              <a:prstTxWarp prst="textNoShape">
-                <a:avLst/>
-              </a:prstTxWarp>
-            </a:bodyPr>
-            <a:lstStyle/>
-            <a:p>
-              <a:pPr algn="ctr" defTabSz="685800" fontAlgn="base">
-                <a:spcBef>
-                  <a:spcPct val="0"/>
-                </a:spcBef>
-                <a:spcAft>
-                  <a:spcPct val="0"/>
-                </a:spcAft>
-              </a:pPr>
-              <a:r>
-                <a:rPr lang="ja-JP" altLang="en-US">
-                  <a:solidFill>
-                    <a:schemeClr val="bg1"/>
-                  </a:solidFill>
-                  <a:latin typeface="Meiryo UI" panose="020B0604030504040204" pitchFamily="34" charset="-128"/>
-                  <a:ea typeface="Meiryo UI" panose="020B0604030504040204" pitchFamily="34" charset="-128"/>
-                  <a:cs typeface="ＭＳ Ｐゴシック" pitchFamily="-1" charset="-128"/>
-                </a:rPr>
-                <a:t>解</a:t>
-              </a:r>
-            </a:p>
-          </p:txBody>
-        </p:sp>
-      </p:grpSp>
-      <p:sp>
-        <p:nvSpPr>
-          <p:cNvPr id="8" name="雲形吹き出し 7">
-            <a:extLst>
-              <a:ext uri="{FF2B5EF4-FFF2-40B4-BE49-F238E27FC236}">
-                <a16:creationId xmlns:a16="http://schemas.microsoft.com/office/drawing/2014/main" id="{6617D01B-EDA6-9148-8593-52DE6FAE5C2A}"/>
-              </a:ext>
-            </a:extLst>
-          </p:cNvPr>
-          <p:cNvSpPr/>
-          <p:nvPr/>
-        </p:nvSpPr>
-        <p:spPr>
-          <a:xfrm>
-            <a:off x="4503785" y="3429000"/>
-            <a:ext cx="4435988" cy="2412999"/>
-          </a:xfrm>
-          <a:prstGeom prst="cloudCallout">
-            <a:avLst>
-              <a:gd name="adj1" fmla="val -50166"/>
-              <a:gd name="adj2" fmla="val 35852"/>
-            </a:avLst>
-          </a:prstGeom>
-          <a:solidFill>
-            <a:schemeClr val="bg1">
-              <a:lumMod val="85000"/>
-            </a:schemeClr>
-          </a:solidFill>
-        </p:spPr>
-        <p:style>
-          <a:lnRef idx="2">
-            <a:schemeClr val="accent1">
-              <a:shade val="50000"/>
-            </a:schemeClr>
-          </a:lnRef>
-          <a:fillRef idx="1">
-            <a:schemeClr val="accent1"/>
-          </a:fillRef>
-          <a:effectRef idx="0">
-            <a:schemeClr val="accent1"/>
-          </a:effectRef>
-          <a:fontRef idx="minor">
-            <a:schemeClr val="lt1"/>
-          </a:fontRef>
-        </p:style>
-        <p:txBody>
-          <a:bodyPr rtlCol="0" anchor="ctr"/>
-          <a:lstStyle/>
-          <a:p>
-            <a:pPr algn="ctr">
-              <a:lnSpc>
-                <a:spcPct val="150000"/>
-              </a:lnSpc>
-            </a:pPr>
-            <a:r>
-              <a:rPr kumimoji="1" lang="ja-JP" altLang="en-US">
-                <a:solidFill>
-                  <a:schemeClr val="tx1"/>
-                </a:solidFill>
-              </a:rPr>
-              <a:t>コンピューターは</a:t>
-            </a:r>
-            <a:endParaRPr kumimoji="1" lang="en-US" altLang="ja-JP" dirty="0">
-              <a:solidFill>
-                <a:schemeClr val="tx1"/>
-              </a:solidFill>
-            </a:endParaRPr>
-          </a:p>
-          <a:p>
-            <a:pPr algn="ctr">
-              <a:lnSpc>
-                <a:spcPct val="150000"/>
-              </a:lnSpc>
-            </a:pPr>
-            <a:r>
-              <a:rPr kumimoji="1" lang="ja-JP" altLang="en-US">
-                <a:solidFill>
-                  <a:schemeClr val="tx1"/>
-                </a:solidFill>
-              </a:rPr>
-              <a:t>「変数分離して両辺を積分」</a:t>
-            </a:r>
-            <a:endParaRPr kumimoji="1" lang="en-US" altLang="ja-JP" dirty="0">
-              <a:solidFill>
-                <a:schemeClr val="tx1"/>
-              </a:solidFill>
-            </a:endParaRPr>
-          </a:p>
-          <a:p>
-            <a:pPr algn="ctr">
-              <a:lnSpc>
-                <a:spcPct val="150000"/>
-              </a:lnSpc>
-            </a:pPr>
-            <a:r>
-              <a:rPr kumimoji="1" lang="ja-JP" altLang="en-US">
-                <a:solidFill>
-                  <a:schemeClr val="tx1"/>
-                </a:solidFill>
-              </a:rPr>
-              <a:t>という計算をできない</a:t>
-            </a:r>
-            <a:endParaRPr kumimoji="1" lang="en-US" altLang="ja-JP" dirty="0">
-              <a:solidFill>
-                <a:schemeClr val="tx1"/>
-              </a:solidFill>
-            </a:endParaRPr>
-          </a:p>
-        </p:txBody>
-      </p:sp>
-    </p:spTree>
-    <p:extLst>
-      <p:ext uri="{BB962C8B-B14F-4D97-AF65-F5344CB8AC3E}">
-        <p14:creationId xmlns:p14="http://schemas.microsoft.com/office/powerpoint/2010/main" val="3636870033"/>
-      </p:ext>
-    </p:extLst>
-  </p:cSld>
-  <p:clrMapOvr>
-    <a:masterClrMapping/>
-  </p:clrMapOvr>
-</p:sld>
-</file>
-
-<file path=ppt/slides/slide11.xml><?xml version="1.0" encoding="utf-8"?>
 <p:sld xmlns:a="http://schemas.openxmlformats.org/drawingml/2006/main" xmlns:r="http://schemas.openxmlformats.org/officeDocument/2006/relationships" xmlns:p="http://schemas.openxmlformats.org/presentationml/2006/main">
   <p:cSld>
     <p:spTree>
@@ -7336,7 +6582,7 @@
 </p:sld>
 </file>
 
-<file path=ppt/slides/slide12.xml><?xml version="1.0" encoding="utf-8"?>
+<file path=ppt/slides/slide11.xml><?xml version="1.0" encoding="utf-8"?>
 <p:sld xmlns:a="http://schemas.openxmlformats.org/drawingml/2006/main" xmlns:r="http://schemas.openxmlformats.org/officeDocument/2006/relationships" xmlns:p="http://schemas.openxmlformats.org/presentationml/2006/main">
   <p:cSld>
     <p:spTree>
@@ -7859,7 +7105,7 @@
 </p:sld>
 </file>
 
-<file path=ppt/slides/slide13.xml><?xml version="1.0" encoding="utf-8"?>
+<file path=ppt/slides/slide12.xml><?xml version="1.0" encoding="utf-8"?>
 <p:sld xmlns:a="http://schemas.openxmlformats.org/drawingml/2006/main" xmlns:r="http://schemas.openxmlformats.org/officeDocument/2006/relationships" xmlns:p="http://schemas.openxmlformats.org/presentationml/2006/main">
   <p:cSld>
     <p:spTree>
@@ -8429,7 +7675,7 @@
 </p:sld>
 </file>
 
-<file path=ppt/slides/slide14.xml><?xml version="1.0" encoding="utf-8"?>
+<file path=ppt/slides/slide13.xml><?xml version="1.0" encoding="utf-8"?>
 <p:sld xmlns:a="http://schemas.openxmlformats.org/drawingml/2006/main" xmlns:r="http://schemas.openxmlformats.org/officeDocument/2006/relationships" xmlns:p="http://schemas.openxmlformats.org/presentationml/2006/main">
   <p:cSld>
     <p:spTree>
@@ -9825,7 +9071,7 @@
 </p:sld>
 </file>
 
-<file path=ppt/slides/slide15.xml><?xml version="1.0" encoding="utf-8"?>
+<file path=ppt/slides/slide14.xml><?xml version="1.0" encoding="utf-8"?>
 <p:sld xmlns:a="http://schemas.openxmlformats.org/drawingml/2006/main" xmlns:r="http://schemas.openxmlformats.org/officeDocument/2006/relationships" xmlns:p="http://schemas.openxmlformats.org/presentationml/2006/main">
   <p:cSld>
     <p:spTree>
@@ -11073,7 +10319,7 @@
 </p:sld>
 </file>
 
-<file path=ppt/slides/slide16.xml><?xml version="1.0" encoding="utf-8"?>
+<file path=ppt/slides/slide15.xml><?xml version="1.0" encoding="utf-8"?>
 <p:sld xmlns:a="http://schemas.openxmlformats.org/drawingml/2006/main" xmlns:r="http://schemas.openxmlformats.org/officeDocument/2006/relationships" xmlns:p="http://schemas.openxmlformats.org/presentationml/2006/main">
   <p:cSld>
     <p:spTree>
@@ -11165,7 +10411,7 @@
 </p:sld>
 </file>
 
-<file path=ppt/slides/slide17.xml><?xml version="1.0" encoding="utf-8"?>
+<file path=ppt/slides/slide16.xml><?xml version="1.0" encoding="utf-8"?>
 <p:sld xmlns:a="http://schemas.openxmlformats.org/drawingml/2006/main" xmlns:r="http://schemas.openxmlformats.org/officeDocument/2006/relationships" xmlns:p="http://schemas.openxmlformats.org/presentationml/2006/main">
   <p:cSld>
     <p:spTree>
@@ -11697,7 +10943,7 @@
 </p:sld>
 </file>
 
-<file path=ppt/slides/slide18.xml><?xml version="1.0" encoding="utf-8"?>
+<file path=ppt/slides/slide17.xml><?xml version="1.0" encoding="utf-8"?>
 <p:sld xmlns:a="http://schemas.openxmlformats.org/drawingml/2006/main" xmlns:r="http://schemas.openxmlformats.org/officeDocument/2006/relationships" xmlns:p="http://schemas.openxmlformats.org/presentationml/2006/main">
   <p:cSld>
     <p:spTree>
@@ -13492,1095 +12738,6 @@
           <a:chExt cx="0" cy="0"/>
         </a:xfrm>
       </p:grpSpPr>
-      <p:grpSp>
-        <p:nvGrpSpPr>
-          <p:cNvPr id="4" name="グループ化 3">
-            <a:extLst>
-              <a:ext uri="{FF2B5EF4-FFF2-40B4-BE49-F238E27FC236}">
-                <a16:creationId xmlns:a16="http://schemas.microsoft.com/office/drawing/2014/main" id="{34536637-BC8E-4C41-843A-D923D3B85A68}"/>
-              </a:ext>
-            </a:extLst>
-          </p:cNvPr>
-          <p:cNvGrpSpPr/>
-          <p:nvPr/>
-        </p:nvGrpSpPr>
-        <p:grpSpPr>
-          <a:xfrm>
-            <a:off x="628650" y="552172"/>
-            <a:ext cx="7886700" cy="951470"/>
-            <a:chOff x="741405" y="1940011"/>
-            <a:chExt cx="6969211" cy="951470"/>
-          </a:xfrm>
-        </p:grpSpPr>
-        <p:sp>
-          <p:nvSpPr>
-            <p:cNvPr id="5" name="正方形/長方形 4">
-              <a:extLst>
-                <a:ext uri="{FF2B5EF4-FFF2-40B4-BE49-F238E27FC236}">
-                  <a16:creationId xmlns:a16="http://schemas.microsoft.com/office/drawing/2014/main" id="{4C646D5D-61C9-4A7C-8704-DEC92A999BDE}"/>
-                </a:ext>
-              </a:extLst>
-            </p:cNvPr>
-            <p:cNvSpPr/>
-            <p:nvPr/>
-          </p:nvSpPr>
-          <p:spPr>
-            <a:xfrm>
-              <a:off x="741405" y="1940011"/>
-              <a:ext cx="852616" cy="951470"/>
-            </a:xfrm>
-            <a:prstGeom prst="rect">
-              <a:avLst/>
-            </a:prstGeom>
-          </p:spPr>
-          <p:style>
-            <a:lnRef idx="2">
-              <a:schemeClr val="accent1">
-                <a:shade val="50000"/>
-              </a:schemeClr>
-            </a:lnRef>
-            <a:fillRef idx="1">
-              <a:schemeClr val="accent1"/>
-            </a:fillRef>
-            <a:effectRef idx="0">
-              <a:schemeClr val="accent1"/>
-            </a:effectRef>
-            <a:fontRef idx="minor">
-              <a:schemeClr val="lt1"/>
-            </a:fontRef>
-          </p:style>
-          <p:txBody>
-            <a:bodyPr rtlCol="0" anchor="ctr"/>
-            <a:lstStyle/>
-            <a:p>
-              <a:pPr algn="ctr"/>
-              <a:r>
-                <a:rPr kumimoji="1" lang="en-US" altLang="ja-JP" sz="3000" dirty="0"/>
-                <a:t>3</a:t>
-              </a:r>
-              <a:endParaRPr kumimoji="1" lang="ja-JP" altLang="en-US" sz="3000" dirty="0"/>
-            </a:p>
-          </p:txBody>
-        </p:sp>
-        <p:sp>
-          <p:nvSpPr>
-            <p:cNvPr id="6" name="正方形/長方形 5">
-              <a:extLst>
-                <a:ext uri="{FF2B5EF4-FFF2-40B4-BE49-F238E27FC236}">
-                  <a16:creationId xmlns:a16="http://schemas.microsoft.com/office/drawing/2014/main" id="{F446180C-A932-4A73-B92B-0AA8A4C35840}"/>
-                </a:ext>
-              </a:extLst>
-            </p:cNvPr>
-            <p:cNvSpPr/>
-            <p:nvPr/>
-          </p:nvSpPr>
-          <p:spPr>
-            <a:xfrm>
-              <a:off x="1816443" y="1940011"/>
-              <a:ext cx="5894173" cy="951470"/>
-            </a:xfrm>
-            <a:prstGeom prst="rect">
-              <a:avLst/>
-            </a:prstGeom>
-            <a:noFill/>
-          </p:spPr>
-          <p:style>
-            <a:lnRef idx="2">
-              <a:schemeClr val="accent1">
-                <a:shade val="50000"/>
-              </a:schemeClr>
-            </a:lnRef>
-            <a:fillRef idx="1">
-              <a:schemeClr val="accent1"/>
-            </a:fillRef>
-            <a:effectRef idx="0">
-              <a:schemeClr val="accent1"/>
-            </a:effectRef>
-            <a:fontRef idx="minor">
-              <a:schemeClr val="lt1"/>
-            </a:fontRef>
-          </p:style>
-          <p:txBody>
-            <a:bodyPr rtlCol="0" anchor="ctr"/>
-            <a:lstStyle/>
-            <a:p>
-              <a:pPr algn="ctr"/>
-              <a:r>
-                <a:rPr kumimoji="1" lang="ja-JP" altLang="en-US" sz="2800" dirty="0">
-                  <a:solidFill>
-                    <a:schemeClr val="tx1"/>
-                  </a:solidFill>
-                </a:rPr>
-                <a:t>スケジュール</a:t>
-              </a:r>
-            </a:p>
-          </p:txBody>
-        </p:sp>
-      </p:grpSp>
-      <p:graphicFrame>
-        <p:nvGraphicFramePr>
-          <p:cNvPr id="7" name="表 9">
-            <a:extLst>
-              <a:ext uri="{FF2B5EF4-FFF2-40B4-BE49-F238E27FC236}">
-                <a16:creationId xmlns:a16="http://schemas.microsoft.com/office/drawing/2014/main" id="{13E6238E-DD53-4C8D-B94A-5DA13F23EB43}"/>
-              </a:ext>
-            </a:extLst>
-          </p:cNvPr>
-          <p:cNvGraphicFramePr>
-            <a:graphicFrameLocks/>
-          </p:cNvGraphicFramePr>
-          <p:nvPr/>
-        </p:nvGraphicFramePr>
-        <p:xfrm>
-          <a:off x="624724" y="1851378"/>
-          <a:ext cx="7894552" cy="4632866"/>
-        </p:xfrm>
-        <a:graphic>
-          <a:graphicData uri="http://schemas.openxmlformats.org/drawingml/2006/table">
-            <a:tbl>
-              <a:tblPr firstRow="1" bandRow="1">
-                <a:tableStyleId>{2D5ABB26-0587-4C30-8999-92F81FD0307C}</a:tableStyleId>
-              </a:tblPr>
-              <a:tblGrid>
-                <a:gridCol w="1350832">
-                  <a:extLst>
-                    <a:ext uri="{9D8B030D-6E8A-4147-A177-3AD203B41FA5}">
-                      <a16:colId xmlns:a16="http://schemas.microsoft.com/office/drawing/2014/main" val="1716323759"/>
-                    </a:ext>
-                  </a:extLst>
-                </a:gridCol>
-                <a:gridCol w="2664177">
-                  <a:extLst>
-                    <a:ext uri="{9D8B030D-6E8A-4147-A177-3AD203B41FA5}">
-                      <a16:colId xmlns:a16="http://schemas.microsoft.com/office/drawing/2014/main" val="2829381518"/>
-                    </a:ext>
-                  </a:extLst>
-                </a:gridCol>
-                <a:gridCol w="1933787">
-                  <a:extLst>
-                    <a:ext uri="{9D8B030D-6E8A-4147-A177-3AD203B41FA5}">
-                      <a16:colId xmlns:a16="http://schemas.microsoft.com/office/drawing/2014/main" val="1151947378"/>
-                    </a:ext>
-                  </a:extLst>
-                </a:gridCol>
-                <a:gridCol w="1945756">
-                  <a:extLst>
-                    <a:ext uri="{9D8B030D-6E8A-4147-A177-3AD203B41FA5}">
-                      <a16:colId xmlns:a16="http://schemas.microsoft.com/office/drawing/2014/main" val="1395968348"/>
-                    </a:ext>
-                  </a:extLst>
-                </a:gridCol>
-              </a:tblGrid>
-              <a:tr h="456866">
-                <a:tc>
-                  <a:txBody>
-                    <a:bodyPr/>
-                    <a:lstStyle/>
-                    <a:p>
-                      <a:pPr algn="ctr"/>
-                      <a:endParaRPr kumimoji="1" lang="ja-JP" altLang="en-US" sz="1400" dirty="0"/>
-                    </a:p>
-                  </a:txBody>
-                  <a:tcPr anchor="ctr">
-                    <a:lnB w="12700" cap="flat" cmpd="sng" algn="ctr">
-                      <a:solidFill>
-                        <a:schemeClr val="tx1"/>
-                      </a:solidFill>
-                      <a:prstDash val="solid"/>
-                      <a:round/>
-                      <a:headEnd type="none" w="med" len="med"/>
-                      <a:tailEnd type="none" w="med" len="med"/>
-                    </a:lnB>
-                  </a:tcPr>
-                </a:tc>
-                <a:tc>
-                  <a:txBody>
-                    <a:bodyPr/>
-                    <a:lstStyle/>
-                    <a:p>
-                      <a:pPr algn="ctr"/>
-                      <a:r>
-                        <a:rPr kumimoji="1" lang="ja-JP" altLang="en-US" sz="1400" dirty="0"/>
-                        <a:t>題材</a:t>
-                      </a:r>
-                    </a:p>
-                  </a:txBody>
-                  <a:tcPr anchor="ctr">
-                    <a:lnB w="12700" cap="flat" cmpd="sng" algn="ctr">
-                      <a:solidFill>
-                        <a:schemeClr val="tx1"/>
-                      </a:solidFill>
-                      <a:prstDash val="solid"/>
-                      <a:round/>
-                      <a:headEnd type="none" w="med" len="med"/>
-                      <a:tailEnd type="none" w="med" len="med"/>
-                    </a:lnB>
-                  </a:tcPr>
-                </a:tc>
-                <a:tc>
-                  <a:txBody>
-                    <a:bodyPr/>
-                    <a:lstStyle/>
-                    <a:p>
-                      <a:pPr algn="ctr"/>
-                      <a:r>
-                        <a:rPr kumimoji="1" lang="ja-JP" altLang="en-US" sz="1400" dirty="0"/>
-                        <a:t>日時・場所</a:t>
-                      </a:r>
-                    </a:p>
-                  </a:txBody>
-                  <a:tcPr anchor="ctr">
-                    <a:lnB w="12700" cap="flat" cmpd="sng" algn="ctr">
-                      <a:solidFill>
-                        <a:schemeClr val="tx1"/>
-                      </a:solidFill>
-                      <a:prstDash val="solid"/>
-                      <a:round/>
-                      <a:headEnd type="none" w="med" len="med"/>
-                      <a:tailEnd type="none" w="med" len="med"/>
-                    </a:lnB>
-                  </a:tcPr>
-                </a:tc>
-                <a:tc>
-                  <a:txBody>
-                    <a:bodyPr/>
-                    <a:lstStyle/>
-                    <a:p>
-                      <a:pPr algn="ctr"/>
-                      <a:r>
-                        <a:rPr kumimoji="1" lang="ja-JP" altLang="en-US" sz="1400" dirty="0"/>
-                        <a:t>所要時間</a:t>
-                      </a:r>
-                    </a:p>
-                  </a:txBody>
-                  <a:tcPr anchor="ctr">
-                    <a:lnB w="12700" cap="flat" cmpd="sng" algn="ctr">
-                      <a:solidFill>
-                        <a:schemeClr val="tx1"/>
-                      </a:solidFill>
-                      <a:prstDash val="solid"/>
-                      <a:round/>
-                      <a:headEnd type="none" w="med" len="med"/>
-                      <a:tailEnd type="none" w="med" len="med"/>
-                    </a:lnB>
-                  </a:tcPr>
-                </a:tc>
-                <a:extLst>
-                  <a:ext uri="{0D108BD9-81ED-4DB2-BD59-A6C34878D82A}">
-                    <a16:rowId xmlns:a16="http://schemas.microsoft.com/office/drawing/2014/main" val="3035933499"/>
-                  </a:ext>
-                </a:extLst>
-              </a:tr>
-              <a:tr h="1044000">
-                <a:tc>
-                  <a:txBody>
-                    <a:bodyPr/>
-                    <a:lstStyle/>
-                    <a:p>
-                      <a:pPr algn="ctr"/>
-                      <a:r>
-                        <a:rPr kumimoji="1" lang="en-US" altLang="ja-JP" sz="1800" dirty="0"/>
-                        <a:t>STEP 1</a:t>
-                      </a:r>
-                      <a:endParaRPr kumimoji="1" lang="ja-JP" altLang="en-US" sz="1800" dirty="0"/>
-                    </a:p>
-                  </a:txBody>
-                  <a:tcPr anchor="ctr">
-                    <a:lnT w="12700" cap="flat" cmpd="sng" algn="ctr">
-                      <a:solidFill>
-                        <a:schemeClr val="tx1"/>
-                      </a:solidFill>
-                      <a:prstDash val="solid"/>
-                      <a:round/>
-                      <a:headEnd type="none" w="med" len="med"/>
-                      <a:tailEnd type="none" w="med" len="med"/>
-                    </a:lnT>
-                    <a:lnB w="12700" cap="flat" cmpd="sng" algn="ctr">
-                      <a:solidFill>
-                        <a:schemeClr val="tx1"/>
-                      </a:solidFill>
-                      <a:prstDash val="solid"/>
-                      <a:round/>
-                      <a:headEnd type="none" w="med" len="med"/>
-                      <a:tailEnd type="none" w="med" len="med"/>
-                    </a:lnB>
-                  </a:tcPr>
-                </a:tc>
-                <a:tc>
-                  <a:txBody>
-                    <a:bodyPr/>
-                    <a:lstStyle/>
-                    <a:p>
-                      <a:pPr algn="ctr"/>
-                      <a:r>
-                        <a:rPr kumimoji="1" lang="ja-JP" altLang="en-US" sz="1800" dirty="0"/>
-                        <a:t>常微分方程式の時間積分</a:t>
-                      </a:r>
-                    </a:p>
-                  </a:txBody>
-                  <a:tcPr anchor="ctr">
-                    <a:lnT w="12700" cap="flat" cmpd="sng" algn="ctr">
-                      <a:solidFill>
-                        <a:schemeClr val="tx1"/>
-                      </a:solidFill>
-                      <a:prstDash val="solid"/>
-                      <a:round/>
-                      <a:headEnd type="none" w="med" len="med"/>
-                      <a:tailEnd type="none" w="med" len="med"/>
-                    </a:lnT>
-                    <a:lnB w="12700" cap="flat" cmpd="sng" algn="ctr">
-                      <a:solidFill>
-                        <a:schemeClr val="tx1"/>
-                      </a:solidFill>
-                      <a:prstDash val="solid"/>
-                      <a:round/>
-                      <a:headEnd type="none" w="med" len="med"/>
-                      <a:tailEnd type="none" w="med" len="med"/>
-                    </a:lnB>
-                  </a:tcPr>
-                </a:tc>
-                <a:tc>
-                  <a:txBody>
-                    <a:bodyPr/>
-                    <a:lstStyle/>
-                    <a:p>
-                      <a:pPr algn="ctr">
-                        <a:lnSpc>
-                          <a:spcPct val="150000"/>
-                        </a:lnSpc>
-                      </a:pPr>
-                      <a:r>
-                        <a:rPr kumimoji="1" lang="en-US" altLang="ja-JP" sz="1800" dirty="0"/>
-                        <a:t>4/11, 10:30-</a:t>
-                      </a:r>
-                    </a:p>
-                    <a:p>
-                      <a:pPr algn="ctr">
-                        <a:lnSpc>
-                          <a:spcPct val="150000"/>
-                        </a:lnSpc>
-                      </a:pPr>
-                      <a:r>
-                        <a:rPr kumimoji="1" lang="en-US" altLang="ja-JP" sz="1800" dirty="0"/>
-                        <a:t>W2 – 544</a:t>
-                      </a:r>
-                      <a:endParaRPr kumimoji="1" lang="ja-JP" altLang="en-US" sz="1800" dirty="0"/>
-                    </a:p>
-                  </a:txBody>
-                  <a:tcPr anchor="ctr">
-                    <a:lnT w="12700" cap="flat" cmpd="sng" algn="ctr">
-                      <a:solidFill>
-                        <a:schemeClr val="tx1"/>
-                      </a:solidFill>
-                      <a:prstDash val="solid"/>
-                      <a:round/>
-                      <a:headEnd type="none" w="med" len="med"/>
-                      <a:tailEnd type="none" w="med" len="med"/>
-                    </a:lnT>
-                    <a:lnB w="12700" cap="flat" cmpd="sng" algn="ctr">
-                      <a:solidFill>
-                        <a:schemeClr val="tx1"/>
-                      </a:solidFill>
-                      <a:prstDash val="solid"/>
-                      <a:round/>
-                      <a:headEnd type="none" w="med" len="med"/>
-                      <a:tailEnd type="none" w="med" len="med"/>
-                    </a:lnB>
-                  </a:tcPr>
-                </a:tc>
-                <a:tc>
-                  <a:txBody>
-                    <a:bodyPr/>
-                    <a:lstStyle/>
-                    <a:p>
-                      <a:pPr algn="ctr"/>
-                      <a:r>
-                        <a:rPr kumimoji="1" lang="ja-JP" altLang="en-US" sz="1800" dirty="0"/>
-                        <a:t>説明</a:t>
-                      </a:r>
-                      <a:r>
-                        <a:rPr kumimoji="1" lang="en-US" altLang="ja-JP" sz="1800" dirty="0"/>
-                        <a:t>15</a:t>
-                      </a:r>
-                      <a:r>
-                        <a:rPr kumimoji="1" lang="ja-JP" altLang="en-US" sz="1800" dirty="0"/>
-                        <a:t>分</a:t>
-                      </a:r>
-                      <a:endParaRPr kumimoji="1" lang="en-US" altLang="ja-JP" sz="1800" dirty="0"/>
-                    </a:p>
-                    <a:p>
-                      <a:pPr algn="ctr"/>
-                      <a:r>
-                        <a:rPr kumimoji="1" lang="ja-JP" altLang="en-US" sz="1800" dirty="0"/>
-                        <a:t>演習</a:t>
-                      </a:r>
-                      <a:r>
-                        <a:rPr kumimoji="1" lang="en-US" altLang="ja-JP" sz="1800"/>
-                        <a:t>20~30</a:t>
-                      </a:r>
-                      <a:r>
-                        <a:rPr kumimoji="1" lang="ja-JP" altLang="en-US" sz="1800"/>
-                        <a:t>分</a:t>
-                      </a:r>
-                      <a:endParaRPr kumimoji="1" lang="en-US" altLang="ja-JP" sz="1800" dirty="0"/>
-                    </a:p>
-                    <a:p>
-                      <a:pPr algn="ctr"/>
-                      <a:r>
-                        <a:rPr kumimoji="1" lang="ja-JP" altLang="en-US" sz="1800" dirty="0"/>
-                        <a:t>追加説明</a:t>
-                      </a:r>
-                      <a:r>
-                        <a:rPr kumimoji="1" lang="en-US" altLang="ja-JP" sz="1800" dirty="0"/>
-                        <a:t>15</a:t>
-                      </a:r>
-                      <a:r>
-                        <a:rPr kumimoji="1" lang="ja-JP" altLang="en-US" sz="1800" dirty="0"/>
-                        <a:t>分</a:t>
-                      </a:r>
-                    </a:p>
-                  </a:txBody>
-                  <a:tcPr anchor="ctr">
-                    <a:lnT w="12700" cap="flat" cmpd="sng" algn="ctr">
-                      <a:solidFill>
-                        <a:schemeClr val="tx1"/>
-                      </a:solidFill>
-                      <a:prstDash val="solid"/>
-                      <a:round/>
-                      <a:headEnd type="none" w="med" len="med"/>
-                      <a:tailEnd type="none" w="med" len="med"/>
-                    </a:lnT>
-                    <a:lnB w="12700" cap="flat" cmpd="sng" algn="ctr">
-                      <a:solidFill>
-                        <a:schemeClr val="tx1"/>
-                      </a:solidFill>
-                      <a:prstDash val="solid"/>
-                      <a:round/>
-                      <a:headEnd type="none" w="med" len="med"/>
-                      <a:tailEnd type="none" w="med" len="med"/>
-                    </a:lnB>
-                  </a:tcPr>
-                </a:tc>
-                <a:extLst>
-                  <a:ext uri="{0D108BD9-81ED-4DB2-BD59-A6C34878D82A}">
-                    <a16:rowId xmlns:a16="http://schemas.microsoft.com/office/drawing/2014/main" val="1884323551"/>
-                  </a:ext>
-                </a:extLst>
-              </a:tr>
-              <a:tr h="1044000">
-                <a:tc>
-                  <a:txBody>
-                    <a:bodyPr/>
-                    <a:lstStyle/>
-                    <a:p>
-                      <a:pPr algn="ctr"/>
-                      <a:r>
-                        <a:rPr kumimoji="1" lang="en-US" altLang="ja-JP" sz="1800" dirty="0"/>
-                        <a:t>STEP 2</a:t>
-                      </a:r>
-                    </a:p>
-                  </a:txBody>
-                  <a:tcPr anchor="ctr">
-                    <a:lnT w="12700" cap="flat" cmpd="sng" algn="ctr">
-                      <a:solidFill>
-                        <a:schemeClr val="tx1"/>
-                      </a:solidFill>
-                      <a:prstDash val="solid"/>
-                      <a:round/>
-                      <a:headEnd type="none" w="med" len="med"/>
-                      <a:tailEnd type="none" w="med" len="med"/>
-                    </a:lnT>
-                    <a:lnB w="12700" cap="flat" cmpd="sng" algn="ctr">
-                      <a:solidFill>
-                        <a:schemeClr val="tx1"/>
-                      </a:solidFill>
-                      <a:prstDash val="solid"/>
-                      <a:round/>
-                      <a:headEnd type="none" w="med" len="med"/>
-                      <a:tailEnd type="none" w="med" len="med"/>
-                    </a:lnB>
-                  </a:tcPr>
-                </a:tc>
-                <a:tc>
-                  <a:txBody>
-                    <a:bodyPr/>
-                    <a:lstStyle/>
-                    <a:p>
-                      <a:pPr algn="ctr"/>
-                      <a:r>
-                        <a:rPr kumimoji="1" lang="en-US" altLang="ja-JP" sz="1800" dirty="0"/>
-                        <a:t>1</a:t>
-                      </a:r>
-                      <a:r>
-                        <a:rPr kumimoji="1" lang="ja-JP" altLang="en-US" sz="1800" dirty="0"/>
-                        <a:t>次元移流方程式</a:t>
-                      </a:r>
-                    </a:p>
-                  </a:txBody>
-                  <a:tcPr anchor="ctr">
-                    <a:lnT w="12700" cap="flat" cmpd="sng" algn="ctr">
-                      <a:solidFill>
-                        <a:schemeClr val="tx1"/>
-                      </a:solidFill>
-                      <a:prstDash val="solid"/>
-                      <a:round/>
-                      <a:headEnd type="none" w="med" len="med"/>
-                      <a:tailEnd type="none" w="med" len="med"/>
-                    </a:lnT>
-                    <a:lnB w="12700" cap="flat" cmpd="sng" algn="ctr">
-                      <a:solidFill>
-                        <a:schemeClr val="tx1"/>
-                      </a:solidFill>
-                      <a:prstDash val="solid"/>
-                      <a:round/>
-                      <a:headEnd type="none" w="med" len="med"/>
-                      <a:tailEnd type="none" w="med" len="med"/>
-                    </a:lnB>
-                  </a:tcPr>
-                </a:tc>
-                <a:tc>
-                  <a:txBody>
-                    <a:bodyPr/>
-                    <a:lstStyle/>
-                    <a:p>
-                      <a:pPr marL="0" marR="0" lvl="0" indent="0" algn="ctr" defTabSz="914400" rtl="0" eaLnBrk="1" fontAlgn="auto" latinLnBrk="0" hangingPunct="1">
-                        <a:lnSpc>
-                          <a:spcPct val="150000"/>
-                        </a:lnSpc>
-                        <a:spcBef>
-                          <a:spcPts val="0"/>
-                        </a:spcBef>
-                        <a:spcAft>
-                          <a:spcPts val="0"/>
-                        </a:spcAft>
-                        <a:buClrTx/>
-                        <a:buSzTx/>
-                        <a:buFontTx/>
-                        <a:buNone/>
-                        <a:tabLst/>
-                        <a:defRPr/>
-                      </a:pPr>
-                      <a:r>
-                        <a:rPr kumimoji="1" lang="en-US" altLang="ja-JP" sz="1800" dirty="0"/>
-                        <a:t>4/11, 13:00-</a:t>
-                      </a:r>
-                    </a:p>
-                    <a:p>
-                      <a:pPr marL="0" marR="0" lvl="0" indent="0" algn="ctr" defTabSz="914400" rtl="0" eaLnBrk="1" fontAlgn="auto" latinLnBrk="0" hangingPunct="1">
-                        <a:lnSpc>
-                          <a:spcPct val="150000"/>
-                        </a:lnSpc>
-                        <a:spcBef>
-                          <a:spcPts val="0"/>
-                        </a:spcBef>
-                        <a:spcAft>
-                          <a:spcPts val="0"/>
-                        </a:spcAft>
-                        <a:buClrTx/>
-                        <a:buSzTx/>
-                        <a:buFontTx/>
-                        <a:buNone/>
-                        <a:tabLst/>
-                        <a:defRPr/>
-                      </a:pPr>
-                      <a:r>
-                        <a:rPr kumimoji="1" lang="en-US" altLang="ja-JP" sz="1800" dirty="0"/>
-                        <a:t>W2 – 544</a:t>
-                      </a:r>
-                      <a:endParaRPr kumimoji="1" lang="ja-JP" altLang="en-US" sz="1800" dirty="0"/>
-                    </a:p>
-                  </a:txBody>
-                  <a:tcPr anchor="ctr">
-                    <a:lnT w="12700" cap="flat" cmpd="sng" algn="ctr">
-                      <a:solidFill>
-                        <a:schemeClr val="tx1"/>
-                      </a:solidFill>
-                      <a:prstDash val="solid"/>
-                      <a:round/>
-                      <a:headEnd type="none" w="med" len="med"/>
-                      <a:tailEnd type="none" w="med" len="med"/>
-                    </a:lnT>
-                    <a:lnB w="12700" cap="flat" cmpd="sng" algn="ctr">
-                      <a:solidFill>
-                        <a:schemeClr val="tx1"/>
-                      </a:solidFill>
-                      <a:prstDash val="solid"/>
-                      <a:round/>
-                      <a:headEnd type="none" w="med" len="med"/>
-                      <a:tailEnd type="none" w="med" len="med"/>
-                    </a:lnB>
-                  </a:tcPr>
-                </a:tc>
-                <a:tc>
-                  <a:txBody>
-                    <a:bodyPr/>
-                    <a:lstStyle/>
-                    <a:p>
-                      <a:pPr algn="ctr"/>
-                      <a:r>
-                        <a:rPr kumimoji="1" lang="ja-JP" altLang="en-US" sz="1800" dirty="0"/>
-                        <a:t>説明</a:t>
-                      </a:r>
-                      <a:r>
-                        <a:rPr kumimoji="1" lang="en-US" altLang="ja-JP" sz="1800" dirty="0"/>
-                        <a:t>15</a:t>
-                      </a:r>
-                      <a:r>
-                        <a:rPr kumimoji="1" lang="ja-JP" altLang="en-US" sz="1800" dirty="0"/>
-                        <a:t>分</a:t>
-                      </a:r>
-                      <a:endParaRPr kumimoji="1" lang="en-US" altLang="ja-JP" sz="1800" dirty="0"/>
-                    </a:p>
-                    <a:p>
-                      <a:pPr algn="ctr"/>
-                      <a:r>
-                        <a:rPr kumimoji="1" lang="ja-JP" altLang="en-US" sz="1800" dirty="0"/>
-                        <a:t>演習</a:t>
-                      </a:r>
-                      <a:r>
-                        <a:rPr kumimoji="1" lang="en-US" altLang="ja-JP" sz="1800" dirty="0"/>
-                        <a:t>15</a:t>
-                      </a:r>
-                      <a:r>
-                        <a:rPr kumimoji="1" lang="ja-JP" altLang="en-US" sz="1800" dirty="0"/>
-                        <a:t>分</a:t>
-                      </a:r>
-                      <a:endParaRPr kumimoji="1" lang="en-US" altLang="ja-JP" sz="1800" dirty="0"/>
-                    </a:p>
-                    <a:p>
-                      <a:pPr algn="ctr"/>
-                      <a:r>
-                        <a:rPr kumimoji="1" lang="ja-JP" altLang="en-US" sz="1800" dirty="0"/>
-                        <a:t>追加説明</a:t>
-                      </a:r>
-                      <a:r>
-                        <a:rPr kumimoji="1" lang="en-US" altLang="ja-JP" sz="1800" dirty="0"/>
-                        <a:t>15</a:t>
-                      </a:r>
-                      <a:r>
-                        <a:rPr kumimoji="1" lang="ja-JP" altLang="en-US" sz="1800" dirty="0"/>
-                        <a:t>分</a:t>
-                      </a:r>
-                    </a:p>
-                  </a:txBody>
-                  <a:tcPr anchor="ctr">
-                    <a:lnT w="12700" cap="flat" cmpd="sng" algn="ctr">
-                      <a:solidFill>
-                        <a:schemeClr val="tx1"/>
-                      </a:solidFill>
-                      <a:prstDash val="solid"/>
-                      <a:round/>
-                      <a:headEnd type="none" w="med" len="med"/>
-                      <a:tailEnd type="none" w="med" len="med"/>
-                    </a:lnT>
-                    <a:lnB w="12700" cap="flat" cmpd="sng" algn="ctr">
-                      <a:solidFill>
-                        <a:schemeClr val="tx1"/>
-                      </a:solidFill>
-                      <a:prstDash val="solid"/>
-                      <a:round/>
-                      <a:headEnd type="none" w="med" len="med"/>
-                      <a:tailEnd type="none" w="med" len="med"/>
-                    </a:lnB>
-                  </a:tcPr>
-                </a:tc>
-                <a:extLst>
-                  <a:ext uri="{0D108BD9-81ED-4DB2-BD59-A6C34878D82A}">
-                    <a16:rowId xmlns:a16="http://schemas.microsoft.com/office/drawing/2014/main" val="1728410437"/>
-                  </a:ext>
-                </a:extLst>
-              </a:tr>
-              <a:tr h="1044000">
-                <a:tc>
-                  <a:txBody>
-                    <a:bodyPr/>
-                    <a:lstStyle/>
-                    <a:p>
-                      <a:pPr algn="ctr"/>
-                      <a:r>
-                        <a:rPr kumimoji="1" lang="en-US" altLang="ja-JP" sz="1800" dirty="0"/>
-                        <a:t>STEP 3</a:t>
-                      </a:r>
-                      <a:endParaRPr kumimoji="1" lang="ja-JP" altLang="en-US" sz="1800" dirty="0"/>
-                    </a:p>
-                  </a:txBody>
-                  <a:tcPr anchor="ctr">
-                    <a:lnT w="12700" cap="flat" cmpd="sng" algn="ctr">
-                      <a:solidFill>
-                        <a:schemeClr val="tx1"/>
-                      </a:solidFill>
-                      <a:prstDash val="solid"/>
-                      <a:round/>
-                      <a:headEnd type="none" w="med" len="med"/>
-                      <a:tailEnd type="none" w="med" len="med"/>
-                    </a:lnT>
-                    <a:lnB w="12700" cap="flat" cmpd="sng" algn="ctr">
-                      <a:solidFill>
-                        <a:schemeClr val="tx1"/>
-                      </a:solidFill>
-                      <a:prstDash val="solid"/>
-                      <a:round/>
-                      <a:headEnd type="none" w="med" len="med"/>
-                      <a:tailEnd type="none" w="med" len="med"/>
-                    </a:lnB>
-                  </a:tcPr>
-                </a:tc>
-                <a:tc>
-                  <a:txBody>
-                    <a:bodyPr/>
-                    <a:lstStyle/>
-                    <a:p>
-                      <a:pPr algn="ctr"/>
-                      <a:r>
-                        <a:rPr kumimoji="1" lang="en-US" altLang="ja-JP" sz="1800" dirty="0"/>
-                        <a:t>1</a:t>
-                      </a:r>
-                      <a:r>
-                        <a:rPr kumimoji="1" lang="ja-JP" altLang="en-US" sz="1800" dirty="0"/>
-                        <a:t>次元拡散方程式</a:t>
-                      </a:r>
-                    </a:p>
-                  </a:txBody>
-                  <a:tcPr anchor="ctr">
-                    <a:lnT w="12700" cap="flat" cmpd="sng" algn="ctr">
-                      <a:solidFill>
-                        <a:schemeClr val="tx1"/>
-                      </a:solidFill>
-                      <a:prstDash val="solid"/>
-                      <a:round/>
-                      <a:headEnd type="none" w="med" len="med"/>
-                      <a:tailEnd type="none" w="med" len="med"/>
-                    </a:lnT>
-                    <a:lnB w="12700" cap="flat" cmpd="sng" algn="ctr">
-                      <a:solidFill>
-                        <a:schemeClr val="tx1"/>
-                      </a:solidFill>
-                      <a:prstDash val="solid"/>
-                      <a:round/>
-                      <a:headEnd type="none" w="med" len="med"/>
-                      <a:tailEnd type="none" w="med" len="med"/>
-                    </a:lnB>
-                  </a:tcPr>
-                </a:tc>
-                <a:tc>
-                  <a:txBody>
-                    <a:bodyPr/>
-                    <a:lstStyle/>
-                    <a:p>
-                      <a:pPr marL="0" marR="0" lvl="0" indent="0" algn="ctr" defTabSz="914400" rtl="0" eaLnBrk="1" fontAlgn="auto" latinLnBrk="0" hangingPunct="1">
-                        <a:lnSpc>
-                          <a:spcPct val="150000"/>
-                        </a:lnSpc>
-                        <a:spcBef>
-                          <a:spcPts val="0"/>
-                        </a:spcBef>
-                        <a:spcAft>
-                          <a:spcPts val="0"/>
-                        </a:spcAft>
-                        <a:buClrTx/>
-                        <a:buSzTx/>
-                        <a:buFontTx/>
-                        <a:buNone/>
-                        <a:tabLst/>
-                        <a:defRPr/>
-                      </a:pPr>
-                      <a:r>
-                        <a:rPr kumimoji="1" lang="en-US" altLang="ja-JP" sz="1800" dirty="0"/>
-                        <a:t>4/12, 13:00-</a:t>
-                      </a:r>
-                    </a:p>
-                    <a:p>
-                      <a:pPr algn="ctr">
-                        <a:lnSpc>
-                          <a:spcPct val="150000"/>
-                        </a:lnSpc>
-                      </a:pPr>
-                      <a:r>
-                        <a:rPr kumimoji="1" lang="en-US" altLang="ja-JP" sz="1800" dirty="0"/>
-                        <a:t>W2 – 544</a:t>
-                      </a:r>
-                      <a:endParaRPr kumimoji="1" lang="ja-JP" altLang="en-US" sz="1800" dirty="0"/>
-                    </a:p>
-                  </a:txBody>
-                  <a:tcPr anchor="ctr">
-                    <a:lnT w="12700" cap="flat" cmpd="sng" algn="ctr">
-                      <a:solidFill>
-                        <a:schemeClr val="tx1"/>
-                      </a:solidFill>
-                      <a:prstDash val="solid"/>
-                      <a:round/>
-                      <a:headEnd type="none" w="med" len="med"/>
-                      <a:tailEnd type="none" w="med" len="med"/>
-                    </a:lnT>
-                    <a:lnB w="12700" cap="flat" cmpd="sng" algn="ctr">
-                      <a:solidFill>
-                        <a:schemeClr val="tx1"/>
-                      </a:solidFill>
-                      <a:prstDash val="solid"/>
-                      <a:round/>
-                      <a:headEnd type="none" w="med" len="med"/>
-                      <a:tailEnd type="none" w="med" len="med"/>
-                    </a:lnB>
-                  </a:tcPr>
-                </a:tc>
-                <a:tc>
-                  <a:txBody>
-                    <a:bodyPr/>
-                    <a:lstStyle/>
-                    <a:p>
-                      <a:pPr algn="ctr"/>
-                      <a:r>
-                        <a:rPr kumimoji="1" lang="ja-JP" altLang="en-US" sz="1800" dirty="0"/>
-                        <a:t>説明</a:t>
-                      </a:r>
-                      <a:r>
-                        <a:rPr kumimoji="1" lang="en-US" altLang="ja-JP" sz="1800" dirty="0"/>
-                        <a:t>30</a:t>
-                      </a:r>
-                      <a:r>
-                        <a:rPr kumimoji="1" lang="ja-JP" altLang="en-US" sz="1800" dirty="0"/>
-                        <a:t>分</a:t>
-                      </a:r>
-                      <a:endParaRPr kumimoji="1" lang="en-US" altLang="ja-JP" sz="1800" dirty="0"/>
-                    </a:p>
-                    <a:p>
-                      <a:pPr algn="ctr"/>
-                      <a:r>
-                        <a:rPr kumimoji="1" lang="ja-JP" altLang="en-US" sz="1800" dirty="0"/>
-                        <a:t>演習</a:t>
-                      </a:r>
-                      <a:r>
-                        <a:rPr kumimoji="1" lang="en-US" altLang="ja-JP" sz="1800" dirty="0"/>
-                        <a:t>30</a:t>
-                      </a:r>
-                      <a:r>
-                        <a:rPr kumimoji="1" lang="ja-JP" altLang="en-US" sz="1800" dirty="0"/>
-                        <a:t>分</a:t>
-                      </a:r>
-                    </a:p>
-                  </a:txBody>
-                  <a:tcPr anchor="ctr">
-                    <a:lnT w="12700" cap="flat" cmpd="sng" algn="ctr">
-                      <a:solidFill>
-                        <a:schemeClr val="tx1"/>
-                      </a:solidFill>
-                      <a:prstDash val="solid"/>
-                      <a:round/>
-                      <a:headEnd type="none" w="med" len="med"/>
-                      <a:tailEnd type="none" w="med" len="med"/>
-                    </a:lnT>
-                    <a:lnB w="12700" cap="flat" cmpd="sng" algn="ctr">
-                      <a:solidFill>
-                        <a:schemeClr val="tx1"/>
-                      </a:solidFill>
-                      <a:prstDash val="solid"/>
-                      <a:round/>
-                      <a:headEnd type="none" w="med" len="med"/>
-                      <a:tailEnd type="none" w="med" len="med"/>
-                    </a:lnB>
-                  </a:tcPr>
-                </a:tc>
-                <a:extLst>
-                  <a:ext uri="{0D108BD9-81ED-4DB2-BD59-A6C34878D82A}">
-                    <a16:rowId xmlns:a16="http://schemas.microsoft.com/office/drawing/2014/main" val="615784079"/>
-                  </a:ext>
-                </a:extLst>
-              </a:tr>
-              <a:tr h="1044000">
-                <a:tc>
-                  <a:txBody>
-                    <a:bodyPr/>
-                    <a:lstStyle/>
-                    <a:p>
-                      <a:pPr algn="ctr"/>
-                      <a:r>
-                        <a:rPr kumimoji="1" lang="en-US" altLang="ja-JP" sz="1800" dirty="0"/>
-                        <a:t>Extra STEP</a:t>
-                      </a:r>
-                      <a:endParaRPr kumimoji="1" lang="ja-JP" altLang="en-US" sz="1800" dirty="0"/>
-                    </a:p>
-                  </a:txBody>
-                  <a:tcPr anchor="ctr">
-                    <a:lnT w="12700" cap="flat" cmpd="sng" algn="ctr">
-                      <a:solidFill>
-                        <a:schemeClr val="tx1"/>
-                      </a:solidFill>
-                      <a:prstDash val="solid"/>
-                      <a:round/>
-                      <a:headEnd type="none" w="med" len="med"/>
-                      <a:tailEnd type="none" w="med" len="med"/>
-                    </a:lnT>
-                  </a:tcPr>
-                </a:tc>
-                <a:tc>
-                  <a:txBody>
-                    <a:bodyPr/>
-                    <a:lstStyle/>
-                    <a:p>
-                      <a:pPr algn="ctr"/>
-                      <a:r>
-                        <a:rPr kumimoji="1" lang="ja-JP" altLang="en-US" sz="1800" dirty="0"/>
-                        <a:t>貯留層解析入門</a:t>
-                      </a:r>
-                    </a:p>
-                  </a:txBody>
-                  <a:tcPr anchor="ctr">
-                    <a:lnT w="12700" cap="flat" cmpd="sng" algn="ctr">
-                      <a:solidFill>
-                        <a:schemeClr val="tx1"/>
-                      </a:solidFill>
-                      <a:prstDash val="solid"/>
-                      <a:round/>
-                      <a:headEnd type="none" w="med" len="med"/>
-                      <a:tailEnd type="none" w="med" len="med"/>
-                    </a:lnT>
-                  </a:tcPr>
-                </a:tc>
-                <a:tc>
-                  <a:txBody>
-                    <a:bodyPr/>
-                    <a:lstStyle/>
-                    <a:p>
-                      <a:pPr algn="ctr">
-                        <a:lnSpc>
-                          <a:spcPct val="150000"/>
-                        </a:lnSpc>
-                      </a:pPr>
-                      <a:r>
-                        <a:rPr kumimoji="1" lang="en-US" altLang="ja-JP" sz="1800" dirty="0"/>
-                        <a:t>4/12, 14:15-</a:t>
-                      </a:r>
-                    </a:p>
-                    <a:p>
-                      <a:pPr algn="ctr">
-                        <a:lnSpc>
-                          <a:spcPct val="150000"/>
-                        </a:lnSpc>
-                      </a:pPr>
-                      <a:r>
-                        <a:rPr kumimoji="1" lang="en-US" altLang="ja-JP" sz="1800" dirty="0"/>
-                        <a:t>W2 – 544</a:t>
-                      </a:r>
-                      <a:endParaRPr kumimoji="1" lang="ja-JP" altLang="en-US" sz="1800" dirty="0"/>
-                    </a:p>
-                  </a:txBody>
-                  <a:tcPr anchor="ctr">
-                    <a:lnT w="12700" cap="flat" cmpd="sng" algn="ctr">
-                      <a:solidFill>
-                        <a:schemeClr val="tx1"/>
-                      </a:solidFill>
-                      <a:prstDash val="solid"/>
-                      <a:round/>
-                      <a:headEnd type="none" w="med" len="med"/>
-                      <a:tailEnd type="none" w="med" len="med"/>
-                    </a:lnT>
-                  </a:tcPr>
-                </a:tc>
-                <a:tc>
-                  <a:txBody>
-                    <a:bodyPr/>
-                    <a:lstStyle/>
-                    <a:p>
-                      <a:pPr algn="ctr"/>
-                      <a:r>
-                        <a:rPr kumimoji="1" lang="ja-JP" altLang="en-US" sz="1800" dirty="0"/>
-                        <a:t>説明</a:t>
-                      </a:r>
-                      <a:r>
-                        <a:rPr kumimoji="1" lang="en-US" altLang="ja-JP" sz="1800" dirty="0"/>
-                        <a:t>25</a:t>
-                      </a:r>
-                      <a:r>
-                        <a:rPr kumimoji="1" lang="ja-JP" altLang="en-US" sz="1800" dirty="0"/>
-                        <a:t>分</a:t>
-                      </a:r>
-                      <a:endParaRPr kumimoji="1" lang="en-US" altLang="ja-JP" sz="1800" dirty="0"/>
-                    </a:p>
-                    <a:p>
-                      <a:pPr algn="ctr"/>
-                      <a:r>
-                        <a:rPr kumimoji="1" lang="ja-JP" altLang="en-US" sz="1800" dirty="0"/>
-                        <a:t>演習</a:t>
-                      </a:r>
-                      <a:r>
-                        <a:rPr kumimoji="1" lang="en-US" altLang="ja-JP" sz="1800" dirty="0"/>
-                        <a:t>10</a:t>
-                      </a:r>
-                      <a:r>
-                        <a:rPr kumimoji="1" lang="ja-JP" altLang="en-US" sz="1800" dirty="0"/>
-                        <a:t>分</a:t>
-                      </a:r>
-                      <a:endParaRPr kumimoji="1" lang="en-US" altLang="ja-JP" sz="1800" dirty="0"/>
-                    </a:p>
-                    <a:p>
-                      <a:pPr algn="ctr"/>
-                      <a:r>
-                        <a:rPr kumimoji="1" lang="en-US" altLang="ja-JP" sz="1800" dirty="0"/>
-                        <a:t>M2</a:t>
-                      </a:r>
-                      <a:r>
-                        <a:rPr kumimoji="1" lang="ja-JP" altLang="en-US" sz="1800" dirty="0"/>
-                        <a:t>研究紹介</a:t>
-                      </a:r>
-                      <a:r>
-                        <a:rPr kumimoji="1" lang="en-US" altLang="ja-JP" sz="1800" dirty="0"/>
-                        <a:t>?</a:t>
-                      </a:r>
-                      <a:endParaRPr kumimoji="1" lang="ja-JP" altLang="en-US" sz="1800" dirty="0"/>
-                    </a:p>
-                  </a:txBody>
-                  <a:tcPr anchor="ctr">
-                    <a:lnT w="12700" cap="flat" cmpd="sng" algn="ctr">
-                      <a:solidFill>
-                        <a:schemeClr val="tx1"/>
-                      </a:solidFill>
-                      <a:prstDash val="solid"/>
-                      <a:round/>
-                      <a:headEnd type="none" w="med" len="med"/>
-                      <a:tailEnd type="none" w="med" len="med"/>
-                    </a:lnT>
-                  </a:tcPr>
-                </a:tc>
-                <a:extLst>
-                  <a:ext uri="{0D108BD9-81ED-4DB2-BD59-A6C34878D82A}">
-                    <a16:rowId xmlns:a16="http://schemas.microsoft.com/office/drawing/2014/main" val="3906557870"/>
-                  </a:ext>
-                </a:extLst>
-              </a:tr>
-            </a:tbl>
-          </a:graphicData>
-        </a:graphic>
-      </p:graphicFrame>
-    </p:spTree>
-    <p:extLst>
-      <p:ext uri="{BB962C8B-B14F-4D97-AF65-F5344CB8AC3E}">
-        <p14:creationId xmlns:p14="http://schemas.microsoft.com/office/powerpoint/2010/main" val="2089577575"/>
-      </p:ext>
-    </p:extLst>
-  </p:cSld>
-  <p:clrMapOvr>
-    <a:masterClrMapping/>
-  </p:clrMapOvr>
-</p:sld>
-</file>
-
-<file path=ppt/slides/slide3.xml><?xml version="1.0" encoding="utf-8"?>
-<p:sld xmlns:a="http://schemas.openxmlformats.org/drawingml/2006/main" xmlns:r="http://schemas.openxmlformats.org/officeDocument/2006/relationships" xmlns:p="http://schemas.openxmlformats.org/presentationml/2006/main">
-  <p:cSld>
-    <p:spTree>
-      <p:nvGrpSpPr>
-        <p:cNvPr id="1" name=""/>
-        <p:cNvGrpSpPr/>
-        <p:nvPr/>
-      </p:nvGrpSpPr>
-      <p:grpSpPr>
-        <a:xfrm>
-          <a:off x="0" y="0"/>
-          <a:ext cx="0" cy="0"/>
-          <a:chOff x="0" y="0"/>
-          <a:chExt cx="0" cy="0"/>
-        </a:xfrm>
-      </p:grpSpPr>
       <p:sp>
         <p:nvSpPr>
           <p:cNvPr id="2" name="タイトル 1">
@@ -15042,7 +13199,7 @@
 </p:sld>
 </file>
 
-<file path=ppt/slides/slide4.xml><?xml version="1.0" encoding="utf-8"?>
+<file path=ppt/slides/slide3.xml><?xml version="1.0" encoding="utf-8"?>
 <p:sld xmlns:a="http://schemas.openxmlformats.org/drawingml/2006/main" xmlns:r="http://schemas.openxmlformats.org/officeDocument/2006/relationships" xmlns:p="http://schemas.openxmlformats.org/presentationml/2006/main">
   <p:cSld>
     <p:spTree>
@@ -15574,7 +13731,7 @@
 </p:sld>
 </file>
 
-<file path=ppt/slides/slide5.xml><?xml version="1.0" encoding="utf-8"?>
+<file path=ppt/slides/slide4.xml><?xml version="1.0" encoding="utf-8"?>
 <p:sld xmlns:a="http://schemas.openxmlformats.org/drawingml/2006/main" xmlns:r="http://schemas.openxmlformats.org/officeDocument/2006/relationships" xmlns:p="http://schemas.openxmlformats.org/presentationml/2006/main">
   <p:cSld>
     <p:spTree>
@@ -16117,7 +14274,7 @@
 </p:sld>
 </file>
 
-<file path=ppt/slides/slide6.xml><?xml version="1.0" encoding="utf-8"?>
+<file path=ppt/slides/slide5.xml><?xml version="1.0" encoding="utf-8"?>
 <p:sld xmlns:a="http://schemas.openxmlformats.org/drawingml/2006/main" xmlns:r="http://schemas.openxmlformats.org/officeDocument/2006/relationships" xmlns:p="http://schemas.openxmlformats.org/presentationml/2006/main">
   <p:cSld>
     <p:spTree>
@@ -16588,7 +14745,7 @@
 </p:sld>
 </file>
 
-<file path=ppt/slides/slide7.xml><?xml version="1.0" encoding="utf-8"?>
+<file path=ppt/slides/slide6.xml><?xml version="1.0" encoding="utf-8"?>
 <p:sld xmlns:a="http://schemas.openxmlformats.org/drawingml/2006/main" xmlns:r="http://schemas.openxmlformats.org/officeDocument/2006/relationships" xmlns:p="http://schemas.openxmlformats.org/presentationml/2006/main">
   <p:cSld>
     <p:spTree>
@@ -17174,7 +15331,7 @@
 </p:sld>
 </file>
 
-<file path=ppt/slides/slide8.xml><?xml version="1.0" encoding="utf-8"?>
+<file path=ppt/slides/slide7.xml><?xml version="1.0" encoding="utf-8"?>
 <p:sld xmlns:a="http://schemas.openxmlformats.org/drawingml/2006/main" xmlns:r="http://schemas.openxmlformats.org/officeDocument/2006/relationships" xmlns:p="http://schemas.openxmlformats.org/presentationml/2006/main">
   <p:cSld>
     <p:spTree>
@@ -17441,7 +15598,7 @@
 </p:sld>
 </file>
 
-<file path=ppt/slides/slide9.xml><?xml version="1.0" encoding="utf-8"?>
+<file path=ppt/slides/slide8.xml><?xml version="1.0" encoding="utf-8"?>
 <p:sld xmlns:a="http://schemas.openxmlformats.org/drawingml/2006/main" xmlns:r="http://schemas.openxmlformats.org/officeDocument/2006/relationships" xmlns:p="http://schemas.openxmlformats.org/presentationml/2006/main">
   <p:cSld>
     <p:spTree>
@@ -17589,6 +15746,767 @@
     <p:extLst>
       <p:ext uri="{BB962C8B-B14F-4D97-AF65-F5344CB8AC3E}">
         <p14:creationId xmlns:p14="http://schemas.microsoft.com/office/powerpoint/2010/main" val="572268942"/>
+      </p:ext>
+    </p:extLst>
+  </p:cSld>
+  <p:clrMapOvr>
+    <a:masterClrMapping/>
+  </p:clrMapOvr>
+</p:sld>
+</file>
+
+<file path=ppt/slides/slide9.xml><?xml version="1.0" encoding="utf-8"?>
+<p:sld xmlns:a="http://schemas.openxmlformats.org/drawingml/2006/main" xmlns:r="http://schemas.openxmlformats.org/officeDocument/2006/relationships" xmlns:p="http://schemas.openxmlformats.org/presentationml/2006/main">
+  <p:cSld>
+    <p:spTree>
+      <p:nvGrpSpPr>
+        <p:cNvPr id="1" name=""/>
+        <p:cNvGrpSpPr/>
+        <p:nvPr/>
+      </p:nvGrpSpPr>
+      <p:grpSpPr>
+        <a:xfrm>
+          <a:off x="0" y="0"/>
+          <a:ext cx="0" cy="0"/>
+          <a:chOff x="0" y="0"/>
+          <a:chExt cx="0" cy="0"/>
+        </a:xfrm>
+      </p:grpSpPr>
+      <p:sp>
+        <p:nvSpPr>
+          <p:cNvPr id="2" name="タイトル 1">
+            <a:extLst>
+              <a:ext uri="{FF2B5EF4-FFF2-40B4-BE49-F238E27FC236}">
+                <a16:creationId xmlns:a16="http://schemas.microsoft.com/office/drawing/2014/main" id="{0D82747C-C035-A949-A4B8-A7A0E3FABA56}"/>
+              </a:ext>
+            </a:extLst>
+          </p:cNvPr>
+          <p:cNvSpPr>
+            <a:spLocks noGrp="1"/>
+          </p:cNvSpPr>
+          <p:nvPr>
+            <p:ph type="title"/>
+          </p:nvPr>
+        </p:nvSpPr>
+        <p:spPr/>
+        <p:txBody>
+          <a:bodyPr/>
+          <a:lstStyle/>
+          <a:p>
+            <a:r>
+              <a:rPr lang="en-US" altLang="ja-JP" dirty="0"/>
+              <a:t>2-1</a:t>
+            </a:r>
+            <a:r>
+              <a:rPr lang="ja-JP" altLang="en-US"/>
+              <a:t>．コンピューターができない計算</a:t>
+            </a:r>
+            <a:endParaRPr kumimoji="1" lang="ja-JP" altLang="en-US"/>
+          </a:p>
+        </p:txBody>
+      </p:sp>
+      <mc:AlternateContent xmlns:mc="http://schemas.openxmlformats.org/markup-compatibility/2006" xmlns:a14="http://schemas.microsoft.com/office/drawing/2010/main">
+        <mc:Choice Requires="a14">
+          <p:sp>
+            <p:nvSpPr>
+              <p:cNvPr id="3" name="コンテンツ プレースホルダー 2">
+                <a:extLst>
+                  <a:ext uri="{FF2B5EF4-FFF2-40B4-BE49-F238E27FC236}">
+                    <a16:creationId xmlns:a16="http://schemas.microsoft.com/office/drawing/2014/main" id="{F2A286D4-7352-7543-BD4C-47C6D07ECF5C}"/>
+                  </a:ext>
+                </a:extLst>
+              </p:cNvPr>
+              <p:cNvSpPr>
+                <a:spLocks noGrp="1"/>
+              </p:cNvSpPr>
+              <p:nvPr>
+                <p:ph idx="1"/>
+              </p:nvPr>
+            </p:nvSpPr>
+            <p:spPr/>
+            <p:txBody>
+              <a:bodyPr/>
+              <a:lstStyle/>
+              <a:p>
+                <a:pPr marL="0" indent="0">
+                  <a:buNone/>
+                </a:pPr>
+                <a:r>
+                  <a:rPr lang="ja-JP" altLang="en-US" sz="2400" b="1"/>
+                  <a:t>例：空気抵抗を考えた自由落下</a:t>
+                </a:r>
+                <a:endParaRPr lang="en-US" altLang="ja-JP" sz="2400" b="1" dirty="0"/>
+              </a:p>
+              <a:p>
+                <a:pPr marL="192881" lvl="1" indent="0">
+                  <a:lnSpc>
+                    <a:spcPct val="150000"/>
+                  </a:lnSpc>
+                  <a:buNone/>
+                </a:pPr>
+                <a:r>
+                  <a:rPr lang="en-US" altLang="ja-JP" sz="1950" dirty="0"/>
+                  <a:t> </a:t>
+                </a:r>
+                <a14:m>
+                  <m:oMath xmlns:m="http://schemas.openxmlformats.org/officeDocument/2006/math">
+                    <m:r>
+                      <a:rPr lang="en-US" altLang="ja-JP" sz="2200" i="1">
+                        <a:latin typeface="Cambria Math" panose="02040503050406030204" pitchFamily="18" charset="0"/>
+                      </a:rPr>
+                      <m:t>𝑚</m:t>
+                    </m:r>
+                    <m:f>
+                      <m:fPr>
+                        <m:ctrlPr>
+                          <a:rPr lang="en-US" altLang="ja-JP" sz="2200" i="1">
+                            <a:latin typeface="Cambria Math" panose="02040503050406030204" pitchFamily="18" charset="0"/>
+                          </a:rPr>
+                        </m:ctrlPr>
+                      </m:fPr>
+                      <m:num>
+                        <m:r>
+                          <a:rPr lang="en-US" altLang="ja-JP" sz="2200" i="1">
+                            <a:latin typeface="Cambria Math" panose="02040503050406030204" pitchFamily="18" charset="0"/>
+                          </a:rPr>
+                          <m:t>𝑑𝑣</m:t>
+                        </m:r>
+                        <m:r>
+                          <a:rPr lang="en-US" altLang="ja-JP" sz="2200" i="1">
+                            <a:latin typeface="Cambria Math" panose="02040503050406030204" pitchFamily="18" charset="0"/>
+                          </a:rPr>
+                          <m:t>(</m:t>
+                        </m:r>
+                        <m:r>
+                          <a:rPr lang="en-US" altLang="ja-JP" sz="2200" i="1">
+                            <a:latin typeface="Cambria Math" panose="02040503050406030204" pitchFamily="18" charset="0"/>
+                          </a:rPr>
+                          <m:t>𝑡</m:t>
+                        </m:r>
+                        <m:r>
+                          <a:rPr lang="en-US" altLang="ja-JP" sz="2200" i="1">
+                            <a:latin typeface="Cambria Math" panose="02040503050406030204" pitchFamily="18" charset="0"/>
+                          </a:rPr>
+                          <m:t>)</m:t>
+                        </m:r>
+                      </m:num>
+                      <m:den>
+                        <m:r>
+                          <a:rPr lang="en-US" altLang="ja-JP" sz="2200" i="1">
+                            <a:latin typeface="Cambria Math" panose="02040503050406030204" pitchFamily="18" charset="0"/>
+                          </a:rPr>
+                          <m:t>𝑑𝑡</m:t>
+                        </m:r>
+                      </m:den>
+                    </m:f>
+                    <m:r>
+                      <a:rPr lang="en-US" altLang="ja-JP" sz="2200" i="1">
+                        <a:latin typeface="Cambria Math" panose="02040503050406030204" pitchFamily="18" charset="0"/>
+                      </a:rPr>
+                      <m:t>=</m:t>
+                    </m:r>
+                    <m:r>
+                      <a:rPr lang="en-US" altLang="ja-JP" sz="2200" i="1">
+                        <a:latin typeface="Cambria Math" panose="02040503050406030204" pitchFamily="18" charset="0"/>
+                      </a:rPr>
+                      <m:t>𝑚𝑔</m:t>
+                    </m:r>
+                    <m:r>
+                      <a:rPr lang="en-US" altLang="ja-JP" sz="2200" i="1">
+                        <a:latin typeface="Cambria Math" panose="02040503050406030204" pitchFamily="18" charset="0"/>
+                      </a:rPr>
+                      <m:t>−</m:t>
+                    </m:r>
+                    <m:r>
+                      <a:rPr lang="en-US" altLang="ja-JP" sz="2200" i="1">
+                        <a:latin typeface="Cambria Math" panose="02040503050406030204" pitchFamily="18" charset="0"/>
+                      </a:rPr>
+                      <m:t>𝑘𝑣</m:t>
+                    </m:r>
+                    <m:r>
+                      <a:rPr lang="en-US" altLang="ja-JP" sz="2200" i="1">
+                        <a:latin typeface="Cambria Math" panose="02040503050406030204" pitchFamily="18" charset="0"/>
+                      </a:rPr>
+                      <m:t>(</m:t>
+                    </m:r>
+                    <m:r>
+                      <a:rPr lang="en-US" altLang="ja-JP" sz="2200" i="1">
+                        <a:latin typeface="Cambria Math" panose="02040503050406030204" pitchFamily="18" charset="0"/>
+                      </a:rPr>
+                      <m:t>𝑡</m:t>
+                    </m:r>
+                    <m:r>
+                      <a:rPr lang="en-US" altLang="ja-JP" sz="2200" i="1">
+                        <a:latin typeface="Cambria Math" panose="02040503050406030204" pitchFamily="18" charset="0"/>
+                      </a:rPr>
+                      <m:t>)</m:t>
+                    </m:r>
+                  </m:oMath>
+                </a14:m>
+                <a:r>
+                  <a:rPr lang="ja-JP" altLang="en-US" sz="2200" dirty="0"/>
+                  <a:t>　</a:t>
+                </a:r>
+                <a:r>
+                  <a:rPr lang="ja-JP" altLang="en-US" sz="2200"/>
+                  <a:t>の解を求めよ．</a:t>
+                </a:r>
+                <a:endParaRPr lang="en-US" altLang="ja-JP" sz="2200" dirty="0"/>
+              </a:p>
+              <a:p>
+                <a:pPr marL="192881" lvl="1" indent="0">
+                  <a:lnSpc>
+                    <a:spcPct val="150000"/>
+                  </a:lnSpc>
+                  <a:buNone/>
+                </a:pPr>
+                <a:r>
+                  <a:rPr lang="ja-JP" altLang="en-US" sz="2200"/>
+                  <a:t>ただし　</a:t>
+                </a:r>
+                <a14:m>
+                  <m:oMath xmlns:m="http://schemas.openxmlformats.org/officeDocument/2006/math">
+                    <m:r>
+                      <a:rPr lang="en-US" altLang="ja-JP" sz="2200" i="1">
+                        <a:latin typeface="Cambria Math" panose="02040503050406030204" pitchFamily="18" charset="0"/>
+                      </a:rPr>
+                      <m:t>𝑡</m:t>
+                    </m:r>
+                    <m:r>
+                      <a:rPr lang="en-US" altLang="ja-JP" sz="2200" i="1">
+                        <a:latin typeface="Cambria Math" panose="02040503050406030204" pitchFamily="18" charset="0"/>
+                      </a:rPr>
+                      <m:t>=0</m:t>
+                    </m:r>
+                  </m:oMath>
+                </a14:m>
+                <a:r>
+                  <a:rPr lang="en-US" altLang="ja-JP" sz="2200" dirty="0"/>
+                  <a:t>  </a:t>
+                </a:r>
+                <a:r>
+                  <a:rPr lang="ja-JP" altLang="en-US" sz="2200"/>
+                  <a:t>のとき</a:t>
+                </a:r>
+                <a:r>
+                  <a:rPr lang="en-US" altLang="ja-JP" sz="2200" dirty="0"/>
+                  <a:t> </a:t>
+                </a:r>
+                <a14:m>
+                  <m:oMath xmlns:m="http://schemas.openxmlformats.org/officeDocument/2006/math">
+                    <m:r>
+                      <a:rPr lang="en-US" altLang="ja-JP" sz="2200" i="1">
+                        <a:latin typeface="Cambria Math" panose="02040503050406030204" pitchFamily="18" charset="0"/>
+                      </a:rPr>
+                      <m:t>𝑣</m:t>
+                    </m:r>
+                    <m:r>
+                      <a:rPr lang="en-US" altLang="ja-JP" sz="2200" i="1">
+                        <a:latin typeface="Cambria Math" panose="02040503050406030204" pitchFamily="18" charset="0"/>
+                      </a:rPr>
+                      <m:t>=0</m:t>
+                    </m:r>
+                  </m:oMath>
+                </a14:m>
+                <a:r>
+                  <a:rPr lang="en-US" altLang="ja-JP" sz="2200" dirty="0"/>
+                  <a:t> </a:t>
+                </a:r>
+                <a:r>
+                  <a:rPr lang="ja-JP" altLang="en-US" sz="2200"/>
+                  <a:t>とする．</a:t>
+                </a:r>
+                <a:endParaRPr lang="en-US" altLang="ja-JP" sz="2200" dirty="0"/>
+              </a:p>
+              <a:p>
+                <a:pPr marL="0" indent="0">
+                  <a:buNone/>
+                </a:pPr>
+                <a:endParaRPr lang="en-US" altLang="ja-JP" dirty="0"/>
+              </a:p>
+            </p:txBody>
+          </p:sp>
+        </mc:Choice>
+        <mc:Fallback xmlns="">
+          <p:sp>
+            <p:nvSpPr>
+              <p:cNvPr id="3" name="コンテンツ プレースホルダー 2">
+                <a:extLst>
+                  <a:ext uri="{FF2B5EF4-FFF2-40B4-BE49-F238E27FC236}">
+                    <a16:creationId xmlns:a16="http://schemas.microsoft.com/office/drawing/2014/main" id="{F2A286D4-7352-7543-BD4C-47C6D07ECF5C}"/>
+                  </a:ext>
+                </a:extLst>
+              </p:cNvPr>
+              <p:cNvSpPr>
+                <a:spLocks noGrp="1" noRot="1" noChangeAspect="1" noMove="1" noResize="1" noEditPoints="1" noAdjustHandles="1" noChangeArrowheads="1" noChangeShapeType="1" noTextEdit="1"/>
+              </p:cNvSpPr>
+              <p:nvPr>
+                <p:ph idx="1"/>
+              </p:nvPr>
+            </p:nvSpPr>
+            <p:spPr>
+              <a:blipFill>
+                <a:blip r:embed="rId3"/>
+                <a:stretch>
+                  <a:fillRect l="-1286"/>
+                </a:stretch>
+              </a:blipFill>
+            </p:spPr>
+            <p:txBody>
+              <a:bodyPr/>
+              <a:lstStyle/>
+              <a:p>
+                <a:r>
+                  <a:rPr lang="ja-JP" altLang="en-US">
+                    <a:noFill/>
+                  </a:rPr>
+                  <a:t> </a:t>
+                </a:r>
+              </a:p>
+            </p:txBody>
+          </p:sp>
+        </mc:Fallback>
+      </mc:AlternateContent>
+      <p:grpSp>
+        <p:nvGrpSpPr>
+          <p:cNvPr id="4" name="グループ化 3">
+            <a:extLst>
+              <a:ext uri="{FF2B5EF4-FFF2-40B4-BE49-F238E27FC236}">
+                <a16:creationId xmlns:a16="http://schemas.microsoft.com/office/drawing/2014/main" id="{D881FF51-92AB-A446-8B7F-85B531E10B08}"/>
+              </a:ext>
+            </a:extLst>
+          </p:cNvPr>
+          <p:cNvGrpSpPr/>
+          <p:nvPr/>
+        </p:nvGrpSpPr>
+        <p:grpSpPr>
+          <a:xfrm>
+            <a:off x="805308" y="4001294"/>
+            <a:ext cx="3351825" cy="1417795"/>
+            <a:chOff x="2855640" y="4077072"/>
+            <a:chExt cx="5685097" cy="1512168"/>
+          </a:xfrm>
+        </p:grpSpPr>
+        <mc:AlternateContent xmlns:mc="http://schemas.openxmlformats.org/markup-compatibility/2006" xmlns:a14="http://schemas.microsoft.com/office/drawing/2010/main">
+          <mc:Choice Requires="a14">
+            <p:sp>
+              <p:nvSpPr>
+                <p:cNvPr id="5" name="正方形/長方形 4">
+                  <a:extLst>
+                    <a:ext uri="{FF2B5EF4-FFF2-40B4-BE49-F238E27FC236}">
+                      <a16:creationId xmlns:a16="http://schemas.microsoft.com/office/drawing/2014/main" id="{9415E301-E2CD-144B-9AA9-7D5DDB2C493F}"/>
+                    </a:ext>
+                  </a:extLst>
+                </p:cNvPr>
+                <p:cNvSpPr/>
+                <p:nvPr/>
+              </p:nvSpPr>
+              <p:spPr bwMode="auto">
+                <a:xfrm>
+                  <a:off x="3143671" y="4365104"/>
+                  <a:ext cx="5397066" cy="1224136"/>
+                </a:xfrm>
+                <a:prstGeom prst="rect">
+                  <a:avLst/>
+                </a:prstGeom>
+                <a:noFill/>
+                <a:ln w="9525" cap="flat" cmpd="sng" algn="ctr">
+                  <a:solidFill>
+                    <a:schemeClr val="tx1"/>
+                  </a:solidFill>
+                  <a:prstDash val="solid"/>
+                  <a:round/>
+                  <a:headEnd type="none" w="med" len="med"/>
+                  <a:tailEnd type="none" w="med" len="med"/>
+                </a:ln>
+                <a:effectLst/>
+              </p:spPr>
+              <p:txBody>
+                <a:bodyPr vert="horz" wrap="square" lIns="68580" tIns="34290" rIns="68580" bIns="34290" numCol="1" rtlCol="0" anchor="ctr" anchorCtr="0" compatLnSpc="1">
+                  <a:prstTxWarp prst="textNoShape">
+                    <a:avLst/>
+                  </a:prstTxWarp>
+                </a:bodyPr>
+                <a:lstStyle/>
+                <a:p>
+                  <a:pPr algn="just"/>
+                  <a14:m>
+                    <m:oMathPara xmlns:m="http://schemas.openxmlformats.org/officeDocument/2006/math">
+                      <m:oMathParaPr>
+                        <m:jc m:val="center"/>
+                      </m:oMathParaPr>
+                      <m:oMath xmlns:m="http://schemas.openxmlformats.org/officeDocument/2006/math">
+                        <m:r>
+                          <a:rPr lang="en-US" altLang="ja-JP" sz="1950" i="1">
+                            <a:latin typeface="Cambria Math" panose="02040503050406030204" pitchFamily="18" charset="0"/>
+                          </a:rPr>
+                          <m:t>𝑣</m:t>
+                        </m:r>
+                        <m:r>
+                          <a:rPr lang="en-US" altLang="ja-JP" sz="1950" i="1">
+                            <a:latin typeface="Cambria Math" panose="02040503050406030204" pitchFamily="18" charset="0"/>
+                          </a:rPr>
+                          <m:t>(</m:t>
+                        </m:r>
+                        <m:r>
+                          <a:rPr lang="en-US" altLang="ja-JP" sz="1950" i="1">
+                            <a:latin typeface="Cambria Math" panose="02040503050406030204" pitchFamily="18" charset="0"/>
+                          </a:rPr>
+                          <m:t>𝑡</m:t>
+                        </m:r>
+                        <m:r>
+                          <a:rPr lang="en-US" altLang="ja-JP" sz="1950" i="1">
+                            <a:latin typeface="Cambria Math" panose="02040503050406030204" pitchFamily="18" charset="0"/>
+                          </a:rPr>
+                          <m:t>)=</m:t>
+                        </m:r>
+                        <m:f>
+                          <m:fPr>
+                            <m:ctrlPr>
+                              <a:rPr lang="en-US" altLang="ja-JP" sz="1950" i="1">
+                                <a:latin typeface="Cambria Math" panose="02040503050406030204" pitchFamily="18" charset="0"/>
+                              </a:rPr>
+                            </m:ctrlPr>
+                          </m:fPr>
+                          <m:num>
+                            <m:r>
+                              <a:rPr lang="en-US" altLang="ja-JP" sz="1950" i="1">
+                                <a:latin typeface="Cambria Math" panose="02040503050406030204" pitchFamily="18" charset="0"/>
+                              </a:rPr>
+                              <m:t>𝑚𝑔</m:t>
+                            </m:r>
+                          </m:num>
+                          <m:den>
+                            <m:r>
+                              <a:rPr lang="en-US" altLang="ja-JP" sz="1950" i="1">
+                                <a:latin typeface="Cambria Math" panose="02040503050406030204" pitchFamily="18" charset="0"/>
+                              </a:rPr>
+                              <m:t>𝑘</m:t>
+                            </m:r>
+                          </m:den>
+                        </m:f>
+                        <m:d>
+                          <m:dPr>
+                            <m:ctrlPr>
+                              <a:rPr lang="en-US" altLang="ja-JP" sz="1950" i="1">
+                                <a:latin typeface="Cambria Math" panose="02040503050406030204" pitchFamily="18" charset="0"/>
+                              </a:rPr>
+                            </m:ctrlPr>
+                          </m:dPr>
+                          <m:e>
+                            <m:r>
+                              <a:rPr lang="en-US" altLang="ja-JP" sz="1950" i="1">
+                                <a:latin typeface="Cambria Math" panose="02040503050406030204" pitchFamily="18" charset="0"/>
+                              </a:rPr>
+                              <m:t>1−</m:t>
+                            </m:r>
+                            <m:sSup>
+                              <m:sSupPr>
+                                <m:ctrlPr>
+                                  <a:rPr lang="en-US" altLang="ja-JP" sz="1950" i="1">
+                                    <a:latin typeface="Cambria Math" panose="02040503050406030204" pitchFamily="18" charset="0"/>
+                                  </a:rPr>
+                                </m:ctrlPr>
+                              </m:sSupPr>
+                              <m:e>
+                                <m:r>
+                                  <m:rPr>
+                                    <m:sty m:val="p"/>
+                                  </m:rPr>
+                                  <a:rPr lang="en-US" altLang="ja-JP" sz="1950">
+                                    <a:latin typeface="Cambria Math" panose="02040503050406030204" pitchFamily="18" charset="0"/>
+                                  </a:rPr>
+                                  <m:t>e</m:t>
+                                </m:r>
+                              </m:e>
+                              <m:sup>
+                                <m:r>
+                                  <a:rPr lang="en-US" altLang="ja-JP" sz="1950" i="1">
+                                    <a:latin typeface="Cambria Math" panose="02040503050406030204" pitchFamily="18" charset="0"/>
+                                  </a:rPr>
+                                  <m:t>−</m:t>
+                                </m:r>
+                                <m:f>
+                                  <m:fPr>
+                                    <m:ctrlPr>
+                                      <a:rPr lang="en-US" altLang="ja-JP" sz="1950" i="1">
+                                        <a:latin typeface="Cambria Math" panose="02040503050406030204" pitchFamily="18" charset="0"/>
+                                      </a:rPr>
+                                    </m:ctrlPr>
+                                  </m:fPr>
+                                  <m:num>
+                                    <m:r>
+                                      <a:rPr lang="en-US" altLang="ja-JP" sz="1950" i="1">
+                                        <a:latin typeface="Cambria Math" panose="02040503050406030204" pitchFamily="18" charset="0"/>
+                                      </a:rPr>
+                                      <m:t>𝑘</m:t>
+                                    </m:r>
+                                  </m:num>
+                                  <m:den>
+                                    <m:r>
+                                      <a:rPr lang="en-US" altLang="ja-JP" sz="1950" i="1">
+                                        <a:latin typeface="Cambria Math" panose="02040503050406030204" pitchFamily="18" charset="0"/>
+                                      </a:rPr>
+                                      <m:t>𝑚</m:t>
+                                    </m:r>
+                                  </m:den>
+                                </m:f>
+                                <m:r>
+                                  <a:rPr lang="en-US" altLang="ja-JP" sz="1950" i="1">
+                                    <a:latin typeface="Cambria Math" panose="02040503050406030204" pitchFamily="18" charset="0"/>
+                                  </a:rPr>
+                                  <m:t>𝑡</m:t>
+                                </m:r>
+                              </m:sup>
+                            </m:sSup>
+                          </m:e>
+                        </m:d>
+                      </m:oMath>
+                    </m:oMathPara>
+                  </a14:m>
+                  <a:endParaRPr lang="ja-JP" altLang="en-US" sz="1950">
+                    <a:latin typeface="Meiryo UI" panose="020B0604030504040204" pitchFamily="34" charset="-128"/>
+                    <a:ea typeface="Meiryo UI" panose="020B0604030504040204" pitchFamily="34" charset="-128"/>
+                    <a:cs typeface="ＭＳ Ｐゴシック" pitchFamily="-1" charset="-128"/>
+                  </a:endParaRPr>
+                </a:p>
+              </p:txBody>
+            </p:sp>
+          </mc:Choice>
+          <mc:Fallback xmlns="">
+            <p:sp>
+              <p:nvSpPr>
+                <p:cNvPr id="5" name="正方形/長方形 4">
+                  <a:extLst>
+                    <a:ext uri="{FF2B5EF4-FFF2-40B4-BE49-F238E27FC236}">
+                      <a16:creationId xmlns:a16="http://schemas.microsoft.com/office/drawing/2014/main" id="{9415E301-E2CD-144B-9AA9-7D5DDB2C493F}"/>
+                    </a:ext>
+                  </a:extLst>
+                </p:cNvPr>
+                <p:cNvSpPr>
+                  <a:spLocks noRot="1" noChangeAspect="1" noMove="1" noResize="1" noEditPoints="1" noAdjustHandles="1" noChangeArrowheads="1" noChangeShapeType="1" noTextEdit="1"/>
+                </p:cNvSpPr>
+                <p:nvPr/>
+              </p:nvSpPr>
+              <p:spPr bwMode="auto">
+                <a:xfrm>
+                  <a:off x="3143671" y="4365104"/>
+                  <a:ext cx="5397066" cy="1224136"/>
+                </a:xfrm>
+                <a:prstGeom prst="rect">
+                  <a:avLst/>
+                </a:prstGeom>
+                <a:blipFill>
+                  <a:blip r:embed="rId4"/>
+                  <a:stretch>
+                    <a:fillRect/>
+                  </a:stretch>
+                </a:blipFill>
+                <a:ln w="9525" cap="flat" cmpd="sng" algn="ctr">
+                  <a:solidFill>
+                    <a:schemeClr val="tx1"/>
+                  </a:solidFill>
+                  <a:prstDash val="solid"/>
+                  <a:round/>
+                  <a:headEnd type="none" w="med" len="med"/>
+                  <a:tailEnd type="none" w="med" len="med"/>
+                </a:ln>
+                <a:effectLst/>
+              </p:spPr>
+              <p:txBody>
+                <a:bodyPr/>
+                <a:lstStyle/>
+                <a:p>
+                  <a:r>
+                    <a:rPr lang="ja-JP" altLang="en-US">
+                      <a:noFill/>
+                    </a:rPr>
+                    <a:t> </a:t>
+                  </a:r>
+                </a:p>
+              </p:txBody>
+            </p:sp>
+          </mc:Fallback>
+        </mc:AlternateContent>
+        <p:sp>
+          <p:nvSpPr>
+            <p:cNvPr id="6" name="円/楕円 5">
+              <a:extLst>
+                <a:ext uri="{FF2B5EF4-FFF2-40B4-BE49-F238E27FC236}">
+                  <a16:creationId xmlns:a16="http://schemas.microsoft.com/office/drawing/2014/main" id="{12F94AA4-5B6A-7C40-89B6-4F37B589EA22}"/>
+                </a:ext>
+              </a:extLst>
+            </p:cNvPr>
+            <p:cNvSpPr/>
+            <p:nvPr/>
+          </p:nvSpPr>
+          <p:spPr bwMode="auto">
+            <a:xfrm>
+              <a:off x="2855640" y="4077072"/>
+              <a:ext cx="1224136" cy="864096"/>
+            </a:xfrm>
+            <a:prstGeom prst="ellipse">
+              <a:avLst/>
+            </a:prstGeom>
+            <a:solidFill>
+              <a:srgbClr val="5B9CD5"/>
+            </a:solidFill>
+            <a:ln w="9525" cap="flat" cmpd="sng" algn="ctr">
+              <a:solidFill>
+                <a:schemeClr val="tx1"/>
+              </a:solidFill>
+              <a:prstDash val="solid"/>
+              <a:round/>
+              <a:headEnd type="none" w="med" len="med"/>
+              <a:tailEnd type="none" w="med" len="med"/>
+            </a:ln>
+            <a:effectLst/>
+          </p:spPr>
+          <p:txBody>
+            <a:bodyPr vert="horz" wrap="square" lIns="68580" tIns="34290" rIns="68580" bIns="34290" numCol="1" rtlCol="0" anchor="ctr" anchorCtr="0" compatLnSpc="1">
+              <a:prstTxWarp prst="textNoShape">
+                <a:avLst/>
+              </a:prstTxWarp>
+            </a:bodyPr>
+            <a:lstStyle/>
+            <a:p>
+              <a:pPr algn="ctr" defTabSz="685800" fontAlgn="base">
+                <a:spcBef>
+                  <a:spcPct val="0"/>
+                </a:spcBef>
+                <a:spcAft>
+                  <a:spcPct val="0"/>
+                </a:spcAft>
+              </a:pPr>
+              <a:r>
+                <a:rPr lang="ja-JP" altLang="en-US">
+                  <a:solidFill>
+                    <a:schemeClr val="bg1"/>
+                  </a:solidFill>
+                  <a:latin typeface="Meiryo UI" panose="020B0604030504040204" pitchFamily="34" charset="-128"/>
+                  <a:ea typeface="Meiryo UI" panose="020B0604030504040204" pitchFamily="34" charset="-128"/>
+                  <a:cs typeface="ＭＳ Ｐゴシック" pitchFamily="-1" charset="-128"/>
+                </a:rPr>
+                <a:t>解</a:t>
+              </a:r>
+            </a:p>
+          </p:txBody>
+        </p:sp>
+      </p:grpSp>
+      <p:sp>
+        <p:nvSpPr>
+          <p:cNvPr id="8" name="雲形吹き出し 7">
+            <a:extLst>
+              <a:ext uri="{FF2B5EF4-FFF2-40B4-BE49-F238E27FC236}">
+                <a16:creationId xmlns:a16="http://schemas.microsoft.com/office/drawing/2014/main" id="{6617D01B-EDA6-9148-8593-52DE6FAE5C2A}"/>
+              </a:ext>
+            </a:extLst>
+          </p:cNvPr>
+          <p:cNvSpPr/>
+          <p:nvPr/>
+        </p:nvSpPr>
+        <p:spPr>
+          <a:xfrm>
+            <a:off x="4503785" y="3429000"/>
+            <a:ext cx="4435988" cy="2412999"/>
+          </a:xfrm>
+          <a:prstGeom prst="cloudCallout">
+            <a:avLst>
+              <a:gd name="adj1" fmla="val -50166"/>
+              <a:gd name="adj2" fmla="val 35852"/>
+            </a:avLst>
+          </a:prstGeom>
+          <a:solidFill>
+            <a:schemeClr val="bg1">
+              <a:lumMod val="85000"/>
+            </a:schemeClr>
+          </a:solidFill>
+        </p:spPr>
+        <p:style>
+          <a:lnRef idx="2">
+            <a:schemeClr val="accent1">
+              <a:shade val="50000"/>
+            </a:schemeClr>
+          </a:lnRef>
+          <a:fillRef idx="1">
+            <a:schemeClr val="accent1"/>
+          </a:fillRef>
+          <a:effectRef idx="0">
+            <a:schemeClr val="accent1"/>
+          </a:effectRef>
+          <a:fontRef idx="minor">
+            <a:schemeClr val="lt1"/>
+          </a:fontRef>
+        </p:style>
+        <p:txBody>
+          <a:bodyPr rtlCol="0" anchor="ctr"/>
+          <a:lstStyle/>
+          <a:p>
+            <a:pPr algn="ctr">
+              <a:lnSpc>
+                <a:spcPct val="150000"/>
+              </a:lnSpc>
+            </a:pPr>
+            <a:r>
+              <a:rPr kumimoji="1" lang="ja-JP" altLang="en-US">
+                <a:solidFill>
+                  <a:schemeClr val="tx1"/>
+                </a:solidFill>
+              </a:rPr>
+              <a:t>コンピューターは</a:t>
+            </a:r>
+            <a:endParaRPr kumimoji="1" lang="en-US" altLang="ja-JP" dirty="0">
+              <a:solidFill>
+                <a:schemeClr val="tx1"/>
+              </a:solidFill>
+            </a:endParaRPr>
+          </a:p>
+          <a:p>
+            <a:pPr algn="ctr">
+              <a:lnSpc>
+                <a:spcPct val="150000"/>
+              </a:lnSpc>
+            </a:pPr>
+            <a:r>
+              <a:rPr kumimoji="1" lang="ja-JP" altLang="en-US">
+                <a:solidFill>
+                  <a:schemeClr val="tx1"/>
+                </a:solidFill>
+              </a:rPr>
+              <a:t>「変数分離して両辺を積分」</a:t>
+            </a:r>
+            <a:endParaRPr kumimoji="1" lang="en-US" altLang="ja-JP" dirty="0">
+              <a:solidFill>
+                <a:schemeClr val="tx1"/>
+              </a:solidFill>
+            </a:endParaRPr>
+          </a:p>
+          <a:p>
+            <a:pPr algn="ctr">
+              <a:lnSpc>
+                <a:spcPct val="150000"/>
+              </a:lnSpc>
+            </a:pPr>
+            <a:r>
+              <a:rPr kumimoji="1" lang="ja-JP" altLang="en-US">
+                <a:solidFill>
+                  <a:schemeClr val="tx1"/>
+                </a:solidFill>
+              </a:rPr>
+              <a:t>という計算をできない</a:t>
+            </a:r>
+            <a:endParaRPr kumimoji="1" lang="en-US" altLang="ja-JP" dirty="0">
+              <a:solidFill>
+                <a:schemeClr val="tx1"/>
+              </a:solidFill>
+            </a:endParaRPr>
+          </a:p>
+        </p:txBody>
+      </p:sp>
+    </p:spTree>
+    <p:extLst>
+      <p:ext uri="{BB962C8B-B14F-4D97-AF65-F5344CB8AC3E}">
+        <p14:creationId xmlns:p14="http://schemas.microsoft.com/office/powerpoint/2010/main" val="3636870033"/>
       </p:ext>
     </p:extLst>
   </p:cSld>
